--- a/slides/PS4106_lecture1_Intro.pptx
+++ b/slides/PS4106_lecture1_Intro.pptx
@@ -6,7 +6,7 @@
     <p:sldMasterId id="2147483673" r:id="rId2"/>
   </p:sldMasterIdLst>
   <p:notesMasterIdLst>
-    <p:notesMasterId r:id="rId23"/>
+    <p:notesMasterId r:id="rId27"/>
   </p:notesMasterIdLst>
   <p:sldIdLst>
     <p:sldId id="256" r:id="rId3"/>
@@ -14,21 +14,25 @@
     <p:sldId id="359" r:id="rId5"/>
     <p:sldId id="360" r:id="rId6"/>
     <p:sldId id="361" r:id="rId7"/>
-    <p:sldId id="355" r:id="rId8"/>
-    <p:sldId id="356" r:id="rId9"/>
-    <p:sldId id="258" r:id="rId10"/>
-    <p:sldId id="259" r:id="rId11"/>
-    <p:sldId id="263" r:id="rId12"/>
-    <p:sldId id="265" r:id="rId13"/>
-    <p:sldId id="266" r:id="rId14"/>
-    <p:sldId id="267" r:id="rId15"/>
-    <p:sldId id="268" r:id="rId16"/>
-    <p:sldId id="269" r:id="rId17"/>
-    <p:sldId id="270" r:id="rId18"/>
-    <p:sldId id="271" r:id="rId19"/>
-    <p:sldId id="272" r:id="rId20"/>
-    <p:sldId id="276" r:id="rId21"/>
-    <p:sldId id="358" r:id="rId22"/>
+    <p:sldId id="362" r:id="rId8"/>
+    <p:sldId id="363" r:id="rId9"/>
+    <p:sldId id="364" r:id="rId10"/>
+    <p:sldId id="365" r:id="rId11"/>
+    <p:sldId id="355" r:id="rId12"/>
+    <p:sldId id="356" r:id="rId13"/>
+    <p:sldId id="258" r:id="rId14"/>
+    <p:sldId id="259" r:id="rId15"/>
+    <p:sldId id="263" r:id="rId16"/>
+    <p:sldId id="265" r:id="rId17"/>
+    <p:sldId id="266" r:id="rId18"/>
+    <p:sldId id="267" r:id="rId19"/>
+    <p:sldId id="268" r:id="rId20"/>
+    <p:sldId id="269" r:id="rId21"/>
+    <p:sldId id="270" r:id="rId22"/>
+    <p:sldId id="271" r:id="rId23"/>
+    <p:sldId id="272" r:id="rId24"/>
+    <p:sldId id="276" r:id="rId25"/>
+    <p:sldId id="358" r:id="rId26"/>
   </p:sldIdLst>
   <p:sldSz cx="13004800" cy="9753600"/>
   <p:notesSz cx="6858000" cy="9144000"/>
@@ -330,6 +334,11 @@
       </a:defRPr>
     </a:lvl9pPr>
   </p:defaultTextStyle>
+  <p:extLst>
+    <p:ext uri="{EFAFB233-063F-42B5-8137-9DF3F51BA10A}">
+      <p15:sldGuideLst xmlns:p15="http://schemas.microsoft.com/office/powerpoint/2012/main"/>
+    </p:ext>
+  </p:extLst>
 </p:presentation>
 </file>
 
@@ -8649,7 +8658,7 @@
           </a:ln>
           <a:extLst>
             <a:ext uri="{C572A759-6A51-4108-AA02-DFA0A04FC94B}">
-              <ma14:wrappingTextBoxFlag xmlns:ma14="http://schemas.microsoft.com/office/mac/drawingml/2011/main" xmlns:a14="http://schemas.microsoft.com/office/drawing/2010/main" xmlns:m="http://schemas.openxmlformats.org/officeDocument/2006/math" xmlns="" val="1"/>
+              <ma14:wrappingTextBoxFlag xmlns="" xmlns:m="http://schemas.openxmlformats.org/officeDocument/2006/math" xmlns:a14="http://schemas.microsoft.com/office/drawing/2010/main" xmlns:ma14="http://schemas.microsoft.com/office/mac/drawingml/2011/main" val="1"/>
             </a:ext>
           </a:extLst>
         </p:spPr>
@@ -8688,7 +8697,7 @@
           </a:ln>
           <a:extLst>
             <a:ext uri="{C572A759-6A51-4108-AA02-DFA0A04FC94B}">
-              <ma14:wrappingTextBoxFlag xmlns:ma14="http://schemas.microsoft.com/office/mac/drawingml/2011/main" xmlns:a14="http://schemas.microsoft.com/office/drawing/2010/main" xmlns:m="http://schemas.openxmlformats.org/officeDocument/2006/math" xmlns="" val="1"/>
+              <ma14:wrappingTextBoxFlag xmlns="" xmlns:m="http://schemas.openxmlformats.org/officeDocument/2006/math" xmlns:a14="http://schemas.microsoft.com/office/drawing/2010/main" xmlns:ma14="http://schemas.microsoft.com/office/mac/drawingml/2011/main" val="1"/>
             </a:ext>
           </a:extLst>
         </p:spPr>
@@ -10882,6 +10891,1149 @@
   <p:cSld>
     <p:spTree>
       <p:nvGrpSpPr>
+        <p:cNvPr id="1" name="Shape 167"/>
+        <p:cNvGrpSpPr/>
+        <p:nvPr/>
+      </p:nvGrpSpPr>
+      <p:grpSpPr>
+        <a:xfrm>
+          <a:off x="0" y="0"/>
+          <a:ext cx="0" cy="0"/>
+          <a:chOff x="0" y="0"/>
+          <a:chExt cx="0" cy="0"/>
+        </a:xfrm>
+      </p:grpSpPr>
+      <p:sp>
+        <p:nvSpPr>
+          <p:cNvPr id="168" name="Google Shape;168;p27"/>
+          <p:cNvSpPr txBox="1">
+            <a:spLocks noGrp="1"/>
+          </p:cNvSpPr>
+          <p:nvPr>
+            <p:ph type="title"/>
+          </p:nvPr>
+        </p:nvSpPr>
+        <p:spPr>
+          <a:xfrm>
+            <a:off x="229335" y="1814021"/>
+            <a:ext cx="4659662" cy="1524602"/>
+          </a:xfrm>
+          <a:prstGeom prst="rect">
+            <a:avLst/>
+          </a:prstGeom>
+        </p:spPr>
+        <p:txBody>
+          <a:bodyPr spcFirstLastPara="1" wrap="square" lIns="130027" tIns="130027" rIns="130027" bIns="130027" anchor="t" anchorCtr="0">
+            <a:noAutofit/>
+          </a:bodyPr>
+          <a:lstStyle/>
+          <a:p>
+            <a:r>
+              <a:rPr lang="en" dirty="0"/>
+              <a:t>What is</a:t>
+            </a:r>
+            <a:endParaRPr dirty="0"/>
+          </a:p>
+        </p:txBody>
+      </p:sp>
+      <p:sp>
+        <p:nvSpPr>
+          <p:cNvPr id="169" name="Google Shape;169;p27"/>
+          <p:cNvSpPr txBox="1">
+            <a:spLocks noGrp="1"/>
+          </p:cNvSpPr>
+          <p:nvPr>
+            <p:ph type="body" idx="1"/>
+          </p:nvPr>
+        </p:nvSpPr>
+        <p:spPr>
+          <a:xfrm>
+            <a:off x="5750293" y="2232355"/>
+            <a:ext cx="6695680" cy="4669867"/>
+          </a:xfrm>
+          <a:prstGeom prst="rect">
+            <a:avLst/>
+          </a:prstGeom>
+        </p:spPr>
+        <p:txBody>
+          <a:bodyPr spcFirstLastPara="1" wrap="square" lIns="130027" tIns="130027" rIns="130027" bIns="130027" anchor="t" anchorCtr="0">
+            <a:noAutofit/>
+          </a:bodyPr>
+          <a:lstStyle/>
+          <a:p>
+            <a:pPr indent="-505734">
+              <a:lnSpc>
+                <a:spcPct val="100000"/>
+              </a:lnSpc>
+              <a:spcBef>
+                <a:spcPts val="683"/>
+              </a:spcBef>
+              <a:buClr>
+                <a:schemeClr val="dk1"/>
+              </a:buClr>
+              <a:buSzPts val="2000"/>
+              <a:buFont typeface="Calibri"/>
+              <a:buChar char="●"/>
+            </a:pPr>
+            <a:r>
+              <a:rPr lang="en" sz="2844">
+                <a:solidFill>
+                  <a:schemeClr val="dk1"/>
+                </a:solidFill>
+                <a:latin typeface="Calibri"/>
+                <a:ea typeface="Calibri"/>
+                <a:cs typeface="Calibri"/>
+                <a:sym typeface="Calibri"/>
+              </a:rPr>
+              <a:t>Data science is a fundamentally interdisciplinary field.</a:t>
+            </a:r>
+            <a:endParaRPr sz="2844">
+              <a:solidFill>
+                <a:schemeClr val="dk1"/>
+              </a:solidFill>
+              <a:latin typeface="Calibri"/>
+              <a:ea typeface="Calibri"/>
+              <a:cs typeface="Calibri"/>
+              <a:sym typeface="Calibri"/>
+            </a:endParaRPr>
+          </a:p>
+          <a:p>
+            <a:pPr indent="-505734">
+              <a:lnSpc>
+                <a:spcPct val="100000"/>
+              </a:lnSpc>
+              <a:buClr>
+                <a:schemeClr val="dk1"/>
+              </a:buClr>
+              <a:buSzPts val="2000"/>
+              <a:buFont typeface="Calibri"/>
+              <a:buChar char="●"/>
+            </a:pPr>
+            <a:r>
+              <a:rPr lang="en" sz="2844">
+                <a:solidFill>
+                  <a:schemeClr val="dk1"/>
+                </a:solidFill>
+                <a:latin typeface="Calibri"/>
+                <a:ea typeface="Calibri"/>
+                <a:cs typeface="Calibri"/>
+                <a:sym typeface="Calibri"/>
+              </a:rPr>
+              <a:t>It is the application of data centric, computational, and inferential thinking to:</a:t>
+            </a:r>
+            <a:endParaRPr sz="2844">
+              <a:solidFill>
+                <a:schemeClr val="dk1"/>
+              </a:solidFill>
+              <a:latin typeface="Calibri"/>
+              <a:ea typeface="Calibri"/>
+              <a:cs typeface="Calibri"/>
+              <a:sym typeface="Calibri"/>
+            </a:endParaRPr>
+          </a:p>
+          <a:p>
+            <a:pPr lvl="1" indent="-505734">
+              <a:lnSpc>
+                <a:spcPct val="100000"/>
+              </a:lnSpc>
+              <a:spcBef>
+                <a:spcPts val="0"/>
+              </a:spcBef>
+              <a:buClr>
+                <a:schemeClr val="dk1"/>
+              </a:buClr>
+              <a:buSzPts val="2000"/>
+              <a:buFont typeface="Calibri"/>
+              <a:buChar char="○"/>
+            </a:pPr>
+            <a:r>
+              <a:rPr lang="en" sz="2844">
+                <a:solidFill>
+                  <a:schemeClr val="dk1"/>
+                </a:solidFill>
+                <a:latin typeface="Calibri"/>
+                <a:ea typeface="Calibri"/>
+                <a:cs typeface="Calibri"/>
+                <a:sym typeface="Calibri"/>
+              </a:rPr>
+              <a:t>Understand the world (science).</a:t>
+            </a:r>
+            <a:endParaRPr sz="2844">
+              <a:solidFill>
+                <a:schemeClr val="dk1"/>
+              </a:solidFill>
+              <a:latin typeface="Calibri"/>
+              <a:ea typeface="Calibri"/>
+              <a:cs typeface="Calibri"/>
+              <a:sym typeface="Calibri"/>
+            </a:endParaRPr>
+          </a:p>
+          <a:p>
+            <a:pPr lvl="1" indent="-505734">
+              <a:lnSpc>
+                <a:spcPct val="100000"/>
+              </a:lnSpc>
+              <a:spcBef>
+                <a:spcPts val="0"/>
+              </a:spcBef>
+              <a:buClr>
+                <a:schemeClr val="dk1"/>
+              </a:buClr>
+              <a:buSzPts val="2000"/>
+              <a:buFont typeface="Calibri"/>
+              <a:buChar char="○"/>
+            </a:pPr>
+            <a:r>
+              <a:rPr lang="en" sz="2844">
+                <a:solidFill>
+                  <a:schemeClr val="dk1"/>
+                </a:solidFill>
+                <a:latin typeface="Calibri"/>
+                <a:ea typeface="Calibri"/>
+                <a:cs typeface="Calibri"/>
+                <a:sym typeface="Calibri"/>
+              </a:rPr>
+              <a:t>Solve problems (engineering).</a:t>
+            </a:r>
+            <a:endParaRPr sz="2844">
+              <a:solidFill>
+                <a:schemeClr val="dk1"/>
+              </a:solidFill>
+              <a:latin typeface="Calibri"/>
+              <a:ea typeface="Calibri"/>
+              <a:cs typeface="Calibri"/>
+              <a:sym typeface="Calibri"/>
+            </a:endParaRPr>
+          </a:p>
+          <a:p>
+            <a:pPr indent="-505734">
+              <a:lnSpc>
+                <a:spcPct val="100000"/>
+              </a:lnSpc>
+              <a:spcBef>
+                <a:spcPts val="683"/>
+              </a:spcBef>
+              <a:buClr>
+                <a:schemeClr val="dk1"/>
+              </a:buClr>
+              <a:buSzPts val="2000"/>
+              <a:buFont typeface="Calibri"/>
+              <a:buChar char="●"/>
+            </a:pPr>
+            <a:r>
+              <a:rPr lang="en" sz="2844">
+                <a:solidFill>
+                  <a:schemeClr val="dk1"/>
+                </a:solidFill>
+                <a:latin typeface="Calibri"/>
+                <a:ea typeface="Calibri"/>
+                <a:cs typeface="Calibri"/>
+                <a:sym typeface="Calibri"/>
+              </a:rPr>
+              <a:t>It involves exploration, prediction, and inference.</a:t>
+            </a:r>
+            <a:endParaRPr/>
+          </a:p>
+        </p:txBody>
+      </p:sp>
+      <p:sp>
+        <p:nvSpPr>
+          <p:cNvPr id="170" name="Google Shape;170;p27"/>
+          <p:cNvSpPr txBox="1"/>
+          <p:nvPr/>
+        </p:nvSpPr>
+        <p:spPr>
+          <a:xfrm>
+            <a:off x="8910336" y="9050158"/>
+            <a:ext cx="3881813" cy="441173"/>
+          </a:xfrm>
+          <a:prstGeom prst="rect">
+            <a:avLst/>
+          </a:prstGeom>
+          <a:noFill/>
+          <a:ln>
+            <a:noFill/>
+          </a:ln>
+        </p:spPr>
+        <p:txBody>
+          <a:bodyPr spcFirstLastPara="1" wrap="square" lIns="130027" tIns="130027" rIns="130027" bIns="130027" anchor="t" anchorCtr="0">
+            <a:noAutofit/>
+          </a:bodyPr>
+          <a:lstStyle/>
+          <a:p>
+            <a:pPr algn="l" defTabSz="1300460" hangingPunct="1">
+              <a:buClr>
+                <a:srgbClr val="000000"/>
+              </a:buClr>
+            </a:pPr>
+            <a:r>
+              <a:rPr lang="en" sz="1849" i="1" dirty="0">
+                <a:latin typeface="Arial"/>
+                <a:cs typeface="Arial"/>
+                <a:sym typeface="Arial"/>
+              </a:rPr>
+              <a:t>Source: Data 100 </a:t>
+            </a:r>
+            <a:r>
+              <a:rPr lang="en" sz="1849" i="1" dirty="0" err="1">
+                <a:latin typeface="Arial"/>
+                <a:cs typeface="Arial"/>
+                <a:sym typeface="Arial"/>
+              </a:rPr>
+              <a:t>Fal</a:t>
+            </a:r>
+            <a:r>
+              <a:rPr lang="en" sz="1849" i="1" dirty="0">
+                <a:latin typeface="Arial"/>
+                <a:cs typeface="Arial"/>
+                <a:sym typeface="Arial"/>
+              </a:rPr>
+              <a:t> 2019 Slides</a:t>
+            </a:r>
+            <a:endParaRPr sz="1849" i="1" dirty="0">
+              <a:latin typeface="Arial"/>
+              <a:cs typeface="Arial"/>
+              <a:sym typeface="Arial"/>
+            </a:endParaRPr>
+          </a:p>
+        </p:txBody>
+      </p:sp>
+      <p:pic>
+        <p:nvPicPr>
+          <p:cNvPr id="171" name="Google Shape;171;p27"/>
+          <p:cNvPicPr preferRelativeResize="0"/>
+          <p:nvPr/>
+        </p:nvPicPr>
+        <p:blipFill>
+          <a:blip r:embed="rId3">
+            <a:alphaModFix/>
+          </a:blip>
+          <a:stretch>
+            <a:fillRect/>
+          </a:stretch>
+        </p:blipFill>
+        <p:spPr>
+          <a:xfrm>
+            <a:off x="1287004" y="3045227"/>
+            <a:ext cx="3251200" cy="3251200"/>
+          </a:xfrm>
+          <a:prstGeom prst="rect">
+            <a:avLst/>
+          </a:prstGeom>
+          <a:noFill/>
+          <a:ln>
+            <a:noFill/>
+          </a:ln>
+        </p:spPr>
+      </p:pic>
+      <p:sp>
+        <p:nvSpPr>
+          <p:cNvPr id="172" name="Google Shape;172;p27"/>
+          <p:cNvSpPr txBox="1"/>
+          <p:nvPr/>
+        </p:nvSpPr>
+        <p:spPr>
+          <a:xfrm>
+            <a:off x="7139058" y="5105778"/>
+            <a:ext cx="6763520" cy="788907"/>
+          </a:xfrm>
+          <a:prstGeom prst="rect">
+            <a:avLst/>
+          </a:prstGeom>
+          <a:noFill/>
+          <a:ln>
+            <a:noFill/>
+          </a:ln>
+        </p:spPr>
+        <p:txBody>
+          <a:bodyPr spcFirstLastPara="1" wrap="square" lIns="130027" tIns="130027" rIns="130027" bIns="130027" anchor="t" anchorCtr="0">
+            <a:noAutofit/>
+          </a:bodyPr>
+          <a:lstStyle/>
+          <a:p>
+            <a:pPr algn="l" defTabSz="1300460" hangingPunct="1">
+              <a:buClr>
+                <a:srgbClr val="000000"/>
+              </a:buClr>
+            </a:pPr>
+            <a:endParaRPr sz="1991">
+              <a:latin typeface="Arial"/>
+              <a:cs typeface="Arial"/>
+              <a:sym typeface="Arial"/>
+            </a:endParaRPr>
+          </a:p>
+        </p:txBody>
+      </p:sp>
+      <p:cxnSp>
+        <p:nvCxnSpPr>
+          <p:cNvPr id="173" name="Google Shape;173;p27"/>
+          <p:cNvCxnSpPr/>
+          <p:nvPr/>
+        </p:nvCxnSpPr>
+        <p:spPr>
+          <a:xfrm>
+            <a:off x="5041031" y="1617067"/>
+            <a:ext cx="101120" cy="6519467"/>
+          </a:xfrm>
+          <a:prstGeom prst="straightConnector1">
+            <a:avLst/>
+          </a:prstGeom>
+          <a:noFill/>
+          <a:ln w="9525" cap="flat" cmpd="sng">
+            <a:solidFill>
+              <a:schemeClr val="dk2"/>
+            </a:solidFill>
+            <a:prstDash val="solid"/>
+            <a:round/>
+            <a:headEnd type="none" w="med" len="med"/>
+            <a:tailEnd type="none" w="med" len="med"/>
+          </a:ln>
+        </p:spPr>
+      </p:cxnSp>
+    </p:spTree>
+    <p:extLst>
+      <p:ext uri="{BB962C8B-B14F-4D97-AF65-F5344CB8AC3E}">
+        <p14:creationId xmlns:p14="http://schemas.microsoft.com/office/powerpoint/2010/main" val="3459082131"/>
+      </p:ext>
+    </p:extLst>
+  </p:cSld>
+  <p:clrMapOvr>
+    <a:masterClrMapping/>
+  </p:clrMapOvr>
+  <p:transition spd="med"/>
+</p:sld>
+</file>
+
+<file path=ppt/slides/slide11.xml><?xml version="1.0" encoding="utf-8"?>
+<p:sld xmlns:a="http://schemas.openxmlformats.org/drawingml/2006/main" xmlns:r="http://schemas.openxmlformats.org/officeDocument/2006/relationships" xmlns:p="http://schemas.openxmlformats.org/presentationml/2006/main">
+  <p:cSld>
+    <p:spTree>
+      <p:nvGrpSpPr>
+        <p:cNvPr id="1" name="Shape 177"/>
+        <p:cNvGrpSpPr/>
+        <p:nvPr/>
+      </p:nvGrpSpPr>
+      <p:grpSpPr>
+        <a:xfrm>
+          <a:off x="0" y="0"/>
+          <a:ext cx="0" cy="0"/>
+          <a:chOff x="0" y="0"/>
+          <a:chExt cx="0" cy="0"/>
+        </a:xfrm>
+      </p:grpSpPr>
+      <p:sp>
+        <p:nvSpPr>
+          <p:cNvPr id="178" name="Google Shape;178;p28"/>
+          <p:cNvSpPr txBox="1">
+            <a:spLocks noGrp="1"/>
+          </p:cNvSpPr>
+          <p:nvPr>
+            <p:ph type="title"/>
+          </p:nvPr>
+        </p:nvSpPr>
+        <p:spPr>
+          <a:xfrm>
+            <a:off x="443304" y="604053"/>
+            <a:ext cx="12118187" cy="814507"/>
+          </a:xfrm>
+          <a:prstGeom prst="rect">
+            <a:avLst/>
+          </a:prstGeom>
+        </p:spPr>
+        <p:txBody>
+          <a:bodyPr spcFirstLastPara="1" wrap="square" lIns="130027" tIns="130027" rIns="130027" bIns="130027" anchor="t" anchorCtr="0">
+            <a:noAutofit/>
+          </a:bodyPr>
+          <a:lstStyle/>
+          <a:p>
+            <a:r>
+              <a:rPr lang="en" sz="6000" dirty="0"/>
+              <a:t>Drew Conway’s Data Science Venn Diagram</a:t>
+            </a:r>
+            <a:endParaRPr sz="6000" dirty="0"/>
+          </a:p>
+        </p:txBody>
+      </p:sp>
+      <p:sp>
+        <p:nvSpPr>
+          <p:cNvPr id="179" name="Google Shape;179;p28"/>
+          <p:cNvSpPr txBox="1"/>
+          <p:nvPr/>
+        </p:nvSpPr>
+        <p:spPr>
+          <a:xfrm>
+            <a:off x="443307" y="8388920"/>
+            <a:ext cx="11552000" cy="307627"/>
+          </a:xfrm>
+          <a:prstGeom prst="rect">
+            <a:avLst/>
+          </a:prstGeom>
+          <a:noFill/>
+          <a:ln>
+            <a:noFill/>
+          </a:ln>
+        </p:spPr>
+        <p:txBody>
+          <a:bodyPr spcFirstLastPara="1" wrap="square" lIns="130027" tIns="130027" rIns="130027" bIns="130027" anchor="t" anchorCtr="0">
+            <a:noAutofit/>
+          </a:bodyPr>
+          <a:lstStyle/>
+          <a:p>
+            <a:pPr defTabSz="1300460" hangingPunct="1">
+              <a:buClr>
+                <a:srgbClr val="000000"/>
+              </a:buClr>
+            </a:pPr>
+            <a:r>
+              <a:rPr lang="en" sz="1707">
+                <a:latin typeface="Arial"/>
+                <a:cs typeface="Arial"/>
+                <a:sym typeface="Arial"/>
+              </a:rPr>
+              <a:t>source: </a:t>
+            </a:r>
+            <a:r>
+              <a:rPr lang="en" sz="1280" u="sng">
+                <a:solidFill>
+                  <a:srgbClr val="0097A7"/>
+                </a:solidFill>
+                <a:latin typeface="Arial"/>
+                <a:cs typeface="Arial"/>
+                <a:sym typeface="Arial"/>
+                <a:hlinkClick r:id="rId3"/>
+              </a:rPr>
+              <a:t>http://drewconway.com/zia/2013/3/26/the-data-science-venn-diagram</a:t>
+            </a:r>
+            <a:endParaRPr sz="1707">
+              <a:latin typeface="Arial"/>
+              <a:cs typeface="Arial"/>
+              <a:sym typeface="Arial"/>
+            </a:endParaRPr>
+          </a:p>
+        </p:txBody>
+      </p:sp>
+      <p:pic>
+        <p:nvPicPr>
+          <p:cNvPr id="180" name="Google Shape;180;p28"/>
+          <p:cNvPicPr preferRelativeResize="0"/>
+          <p:nvPr/>
+        </p:nvPicPr>
+        <p:blipFill rotWithShape="1">
+          <a:blip r:embed="rId4">
+            <a:alphaModFix/>
+          </a:blip>
+          <a:srcRect t="2562"/>
+          <a:stretch/>
+        </p:blipFill>
+        <p:spPr>
+          <a:xfrm>
+            <a:off x="3766597" y="3092601"/>
+            <a:ext cx="5471603" cy="5231856"/>
+          </a:xfrm>
+          <a:prstGeom prst="rect">
+            <a:avLst/>
+          </a:prstGeom>
+          <a:noFill/>
+          <a:ln>
+            <a:noFill/>
+          </a:ln>
+        </p:spPr>
+      </p:pic>
+    </p:spTree>
+    <p:extLst>
+      <p:ext uri="{BB962C8B-B14F-4D97-AF65-F5344CB8AC3E}">
+        <p14:creationId xmlns:p14="http://schemas.microsoft.com/office/powerpoint/2010/main" val="631860897"/>
+      </p:ext>
+    </p:extLst>
+  </p:cSld>
+  <p:clrMapOvr>
+    <a:masterClrMapping/>
+  </p:clrMapOvr>
+  <p:transition spd="med"/>
+</p:sld>
+</file>
+
+<file path=ppt/slides/slide12.xml><?xml version="1.0" encoding="utf-8"?>
+<p:sld xmlns:a="http://schemas.openxmlformats.org/drawingml/2006/main" xmlns:r="http://schemas.openxmlformats.org/officeDocument/2006/relationships" xmlns:p="http://schemas.openxmlformats.org/presentationml/2006/main">
+  <p:cSld>
+    <p:spTree>
+      <p:nvGrpSpPr>
+        <p:cNvPr id="1" name="Shape 67"/>
+        <p:cNvGrpSpPr/>
+        <p:nvPr/>
+      </p:nvGrpSpPr>
+      <p:grpSpPr>
+        <a:xfrm>
+          <a:off x="0" y="0"/>
+          <a:ext cx="0" cy="0"/>
+          <a:chOff x="0" y="0"/>
+          <a:chExt cx="0" cy="0"/>
+        </a:xfrm>
+      </p:grpSpPr>
+      <p:sp>
+        <p:nvSpPr>
+          <p:cNvPr id="68" name="Google Shape;68;p15"/>
+          <p:cNvSpPr txBox="1">
+            <a:spLocks noGrp="1"/>
+          </p:cNvSpPr>
+          <p:nvPr>
+            <p:ph type="title"/>
+          </p:nvPr>
+        </p:nvSpPr>
+        <p:spPr>
+          <a:xfrm>
+            <a:off x="443307" y="1852124"/>
+            <a:ext cx="12118187" cy="814507"/>
+          </a:xfrm>
+          <a:prstGeom prst="rect">
+            <a:avLst/>
+          </a:prstGeom>
+        </p:spPr>
+        <p:txBody>
+          <a:bodyPr spcFirstLastPara="1" wrap="square" lIns="130027" tIns="130027" rIns="130027" bIns="130027" anchor="t" anchorCtr="0">
+            <a:noAutofit/>
+          </a:bodyPr>
+          <a:lstStyle/>
+          <a:p>
+            <a:r>
+              <a:rPr lang="en"/>
+              <a:t>Doing Data Science &amp; Course flow</a:t>
+            </a:r>
+            <a:endParaRPr/>
+          </a:p>
+        </p:txBody>
+      </p:sp>
+      <p:pic>
+        <p:nvPicPr>
+          <p:cNvPr id="69" name="Google Shape;69;p15"/>
+          <p:cNvPicPr preferRelativeResize="0"/>
+          <p:nvPr/>
+        </p:nvPicPr>
+        <p:blipFill rotWithShape="1">
+          <a:blip r:embed="rId3">
+            <a:alphaModFix/>
+          </a:blip>
+          <a:srcRect l="8556" t="14205" r="8614" b="56352"/>
+          <a:stretch/>
+        </p:blipFill>
+        <p:spPr>
+          <a:xfrm>
+            <a:off x="432943" y="2730880"/>
+            <a:ext cx="12138914" cy="2263467"/>
+          </a:xfrm>
+          <a:prstGeom prst="rect">
+            <a:avLst/>
+          </a:prstGeom>
+          <a:noFill/>
+          <a:ln>
+            <a:noFill/>
+          </a:ln>
+        </p:spPr>
+      </p:pic>
+      <p:sp>
+        <p:nvSpPr>
+          <p:cNvPr id="70" name="Google Shape;70;p15"/>
+          <p:cNvSpPr txBox="1"/>
+          <p:nvPr/>
+        </p:nvSpPr>
+        <p:spPr>
+          <a:xfrm>
+            <a:off x="650240" y="5035058"/>
+            <a:ext cx="2337280" cy="1077333"/>
+          </a:xfrm>
+          <a:prstGeom prst="rect">
+            <a:avLst/>
+          </a:prstGeom>
+          <a:noFill/>
+          <a:ln>
+            <a:noFill/>
+          </a:ln>
+        </p:spPr>
+        <p:txBody>
+          <a:bodyPr spcFirstLastPara="1" wrap="square" lIns="130027" tIns="130027" rIns="130027" bIns="130027" anchor="t" anchorCtr="0">
+            <a:noAutofit/>
+          </a:bodyPr>
+          <a:lstStyle/>
+          <a:p>
+            <a:pPr defTabSz="1300460" hangingPunct="1">
+              <a:spcBef>
+                <a:spcPts val="683"/>
+              </a:spcBef>
+              <a:buClr>
+                <a:srgbClr val="000000"/>
+              </a:buClr>
+            </a:pPr>
+            <a:r>
+              <a:rPr lang="en" sz="2276">
+                <a:latin typeface="Arial"/>
+                <a:cs typeface="Arial"/>
+                <a:sym typeface="Arial"/>
+              </a:rPr>
+              <a:t>Data Sources </a:t>
+            </a:r>
+            <a:endParaRPr sz="853">
+              <a:latin typeface="Arial"/>
+              <a:cs typeface="Arial"/>
+              <a:sym typeface="Arial"/>
+            </a:endParaRPr>
+          </a:p>
+        </p:txBody>
+      </p:sp>
+      <p:sp>
+        <p:nvSpPr>
+          <p:cNvPr id="71" name="Google Shape;71;p15"/>
+          <p:cNvSpPr txBox="1"/>
+          <p:nvPr/>
+        </p:nvSpPr>
+        <p:spPr>
+          <a:xfrm>
+            <a:off x="3095893" y="5035058"/>
+            <a:ext cx="2196480" cy="1077333"/>
+          </a:xfrm>
+          <a:prstGeom prst="rect">
+            <a:avLst/>
+          </a:prstGeom>
+          <a:noFill/>
+          <a:ln>
+            <a:noFill/>
+          </a:ln>
+        </p:spPr>
+        <p:txBody>
+          <a:bodyPr spcFirstLastPara="1" wrap="square" lIns="130027" tIns="130027" rIns="130027" bIns="130027" anchor="t" anchorCtr="0">
+            <a:noAutofit/>
+          </a:bodyPr>
+          <a:lstStyle/>
+          <a:p>
+            <a:pPr defTabSz="1300460" hangingPunct="1">
+              <a:spcBef>
+                <a:spcPts val="683"/>
+              </a:spcBef>
+              <a:buClr>
+                <a:srgbClr val="000000"/>
+              </a:buClr>
+            </a:pPr>
+            <a:r>
+              <a:rPr lang="en" sz="2276">
+                <a:latin typeface="Arial"/>
+                <a:cs typeface="Arial"/>
+                <a:sym typeface="Arial"/>
+              </a:rPr>
+              <a:t>Data Cleaning and pandas  </a:t>
+            </a:r>
+            <a:endParaRPr sz="853">
+              <a:latin typeface="Arial"/>
+              <a:cs typeface="Arial"/>
+              <a:sym typeface="Arial"/>
+            </a:endParaRPr>
+          </a:p>
+        </p:txBody>
+      </p:sp>
+      <p:sp>
+        <p:nvSpPr>
+          <p:cNvPr id="72" name="Google Shape;72;p15"/>
+          <p:cNvSpPr txBox="1"/>
+          <p:nvPr/>
+        </p:nvSpPr>
+        <p:spPr>
+          <a:xfrm>
+            <a:off x="5333760" y="5035058"/>
+            <a:ext cx="2337280" cy="2619307"/>
+          </a:xfrm>
+          <a:prstGeom prst="rect">
+            <a:avLst/>
+          </a:prstGeom>
+          <a:noFill/>
+          <a:ln>
+            <a:noFill/>
+          </a:ln>
+        </p:spPr>
+        <p:txBody>
+          <a:bodyPr spcFirstLastPara="1" wrap="square" lIns="130027" tIns="130027" rIns="130027" bIns="130027" anchor="t" anchorCtr="0">
+            <a:noAutofit/>
+          </a:bodyPr>
+          <a:lstStyle/>
+          <a:p>
+            <a:pPr defTabSz="1300460" hangingPunct="1">
+              <a:spcBef>
+                <a:spcPts val="683"/>
+              </a:spcBef>
+              <a:buClr>
+                <a:srgbClr val="000000"/>
+              </a:buClr>
+            </a:pPr>
+            <a:r>
+              <a:rPr lang="en" sz="2276">
+                <a:latin typeface="Arial"/>
+                <a:cs typeface="Arial"/>
+                <a:sym typeface="Arial"/>
+              </a:rPr>
+              <a:t>Visualization and Exploration</a:t>
+            </a:r>
+            <a:endParaRPr sz="2276">
+              <a:latin typeface="Arial"/>
+              <a:cs typeface="Arial"/>
+              <a:sym typeface="Arial"/>
+            </a:endParaRPr>
+          </a:p>
+          <a:p>
+            <a:pPr defTabSz="1300460" hangingPunct="1">
+              <a:spcBef>
+                <a:spcPts val="683"/>
+              </a:spcBef>
+              <a:buClr>
+                <a:srgbClr val="000000"/>
+              </a:buClr>
+            </a:pPr>
+            <a:endParaRPr sz="853">
+              <a:latin typeface="Arial"/>
+              <a:cs typeface="Arial"/>
+              <a:sym typeface="Arial"/>
+            </a:endParaRPr>
+          </a:p>
+        </p:txBody>
+      </p:sp>
+      <p:sp>
+        <p:nvSpPr>
+          <p:cNvPr id="73" name="Google Shape;73;p15"/>
+          <p:cNvSpPr txBox="1"/>
+          <p:nvPr/>
+        </p:nvSpPr>
+        <p:spPr>
+          <a:xfrm>
+            <a:off x="7712427" y="5035058"/>
+            <a:ext cx="2337280" cy="2417493"/>
+          </a:xfrm>
+          <a:prstGeom prst="rect">
+            <a:avLst/>
+          </a:prstGeom>
+          <a:noFill/>
+          <a:ln>
+            <a:noFill/>
+          </a:ln>
+        </p:spPr>
+        <p:txBody>
+          <a:bodyPr spcFirstLastPara="1" wrap="square" lIns="130027" tIns="130027" rIns="130027" bIns="130027" anchor="t" anchorCtr="0">
+            <a:noAutofit/>
+          </a:bodyPr>
+          <a:lstStyle/>
+          <a:p>
+            <a:pPr defTabSz="1300460" hangingPunct="1">
+              <a:spcBef>
+                <a:spcPts val="683"/>
+              </a:spcBef>
+              <a:buClr>
+                <a:srgbClr val="000000"/>
+              </a:buClr>
+            </a:pPr>
+            <a:r>
+              <a:rPr lang="en" sz="2276">
+                <a:latin typeface="Arial"/>
+                <a:cs typeface="Arial"/>
+                <a:sym typeface="Arial"/>
+              </a:rPr>
+              <a:t>Formatting your research question and</a:t>
+            </a:r>
+            <a:endParaRPr sz="2276">
+              <a:latin typeface="Arial"/>
+              <a:cs typeface="Arial"/>
+              <a:sym typeface="Arial"/>
+            </a:endParaRPr>
+          </a:p>
+          <a:p>
+            <a:pPr defTabSz="1300460" hangingPunct="1">
+              <a:spcBef>
+                <a:spcPts val="683"/>
+              </a:spcBef>
+              <a:buClr>
+                <a:srgbClr val="000000"/>
+              </a:buClr>
+            </a:pPr>
+            <a:r>
+              <a:rPr lang="en" sz="2276">
+                <a:latin typeface="Arial"/>
+                <a:cs typeface="Arial"/>
+                <a:sym typeface="Arial"/>
+              </a:rPr>
+              <a:t>Multiple Linear Regression </a:t>
+            </a:r>
+            <a:endParaRPr sz="2276">
+              <a:latin typeface="Arial"/>
+              <a:cs typeface="Arial"/>
+              <a:sym typeface="Arial"/>
+            </a:endParaRPr>
+          </a:p>
+          <a:p>
+            <a:pPr defTabSz="1300460" hangingPunct="1">
+              <a:spcBef>
+                <a:spcPts val="683"/>
+              </a:spcBef>
+              <a:buClr>
+                <a:srgbClr val="000000"/>
+              </a:buClr>
+            </a:pPr>
+            <a:endParaRPr sz="2276">
+              <a:latin typeface="Arial"/>
+              <a:cs typeface="Arial"/>
+              <a:sym typeface="Arial"/>
+            </a:endParaRPr>
+          </a:p>
+        </p:txBody>
+      </p:sp>
+      <p:sp>
+        <p:nvSpPr>
+          <p:cNvPr id="74" name="Google Shape;74;p15"/>
+          <p:cNvSpPr txBox="1"/>
+          <p:nvPr/>
+        </p:nvSpPr>
+        <p:spPr>
+          <a:xfrm>
+            <a:off x="9988267" y="5035058"/>
+            <a:ext cx="2337280" cy="2527573"/>
+          </a:xfrm>
+          <a:prstGeom prst="rect">
+            <a:avLst/>
+          </a:prstGeom>
+          <a:noFill/>
+          <a:ln>
+            <a:noFill/>
+          </a:ln>
+        </p:spPr>
+        <p:txBody>
+          <a:bodyPr spcFirstLastPara="1" wrap="square" lIns="130027" tIns="130027" rIns="130027" bIns="130027" anchor="t" anchorCtr="0">
+            <a:noAutofit/>
+          </a:bodyPr>
+          <a:lstStyle/>
+          <a:p>
+            <a:pPr defTabSz="1300460" hangingPunct="1">
+              <a:spcBef>
+                <a:spcPts val="683"/>
+              </a:spcBef>
+              <a:buClr>
+                <a:srgbClr val="000000"/>
+              </a:buClr>
+            </a:pPr>
+            <a:r>
+              <a:rPr lang="en" sz="2276">
+                <a:latin typeface="Arial"/>
+                <a:cs typeface="Arial"/>
+                <a:sym typeface="Arial"/>
+              </a:rPr>
+              <a:t>Interpretation of your Model Results, Ethics</a:t>
+            </a:r>
+            <a:endParaRPr sz="2276">
+              <a:latin typeface="Arial"/>
+              <a:cs typeface="Arial"/>
+              <a:sym typeface="Arial"/>
+            </a:endParaRPr>
+          </a:p>
+          <a:p>
+            <a:pPr defTabSz="1300460" hangingPunct="1">
+              <a:spcBef>
+                <a:spcPts val="683"/>
+              </a:spcBef>
+              <a:buClr>
+                <a:srgbClr val="000000"/>
+              </a:buClr>
+            </a:pPr>
+            <a:endParaRPr sz="2276">
+              <a:latin typeface="Arial"/>
+              <a:cs typeface="Arial"/>
+              <a:sym typeface="Arial"/>
+            </a:endParaRPr>
+          </a:p>
+        </p:txBody>
+      </p:sp>
+      <p:sp>
+        <p:nvSpPr>
+          <p:cNvPr id="75" name="Google Shape;75;p15"/>
+          <p:cNvSpPr txBox="1"/>
+          <p:nvPr/>
+        </p:nvSpPr>
+        <p:spPr>
+          <a:xfrm>
+            <a:off x="7501084" y="7962275"/>
+            <a:ext cx="5165227" cy="595627"/>
+          </a:xfrm>
+          <a:prstGeom prst="rect">
+            <a:avLst/>
+          </a:prstGeom>
+          <a:noFill/>
+          <a:ln>
+            <a:noFill/>
+          </a:ln>
+        </p:spPr>
+        <p:txBody>
+          <a:bodyPr spcFirstLastPara="1" wrap="square" lIns="130027" tIns="130027" rIns="130027" bIns="130027" anchor="t" anchorCtr="0">
+            <a:noAutofit/>
+          </a:bodyPr>
+          <a:lstStyle/>
+          <a:p>
+            <a:pPr algn="l" defTabSz="1300460" hangingPunct="1">
+              <a:buClr>
+                <a:srgbClr val="000000"/>
+              </a:buClr>
+            </a:pPr>
+            <a:r>
+              <a:rPr lang="en" sz="1707" i="1">
+                <a:latin typeface="Arial"/>
+                <a:cs typeface="Arial"/>
+                <a:sym typeface="Arial"/>
+              </a:rPr>
+              <a:t>Graphic Source: Hilary Mason and Chris Wiggins</a:t>
+            </a:r>
+            <a:endParaRPr sz="1707" i="1">
+              <a:latin typeface="Arial"/>
+              <a:cs typeface="Arial"/>
+              <a:sym typeface="Arial"/>
+            </a:endParaRPr>
+          </a:p>
+        </p:txBody>
+      </p:sp>
+    </p:spTree>
+  </p:cSld>
+  <p:clrMapOvr>
+    <a:masterClrMapping/>
+  </p:clrMapOvr>
+</p:sld>
+</file>
+
+<file path=ppt/slides/slide13.xml><?xml version="1.0" encoding="utf-8"?>
+<p:sld xmlns:a="http://schemas.openxmlformats.org/drawingml/2006/main" xmlns:r="http://schemas.openxmlformats.org/officeDocument/2006/relationships" xmlns:p="http://schemas.openxmlformats.org/presentationml/2006/main">
+  <p:cSld>
+    <p:spTree>
+      <p:nvGrpSpPr>
+        <p:cNvPr id="1" name="Shape 79"/>
+        <p:cNvGrpSpPr/>
+        <p:nvPr/>
+      </p:nvGrpSpPr>
+      <p:grpSpPr>
+        <a:xfrm>
+          <a:off x="0" y="0"/>
+          <a:ext cx="0" cy="0"/>
+          <a:chOff x="0" y="0"/>
+          <a:chExt cx="0" cy="0"/>
+        </a:xfrm>
+      </p:grpSpPr>
+      <p:sp>
+        <p:nvSpPr>
+          <p:cNvPr id="80" name="Google Shape;80;p16"/>
+          <p:cNvSpPr txBox="1">
+            <a:spLocks noGrp="1"/>
+          </p:cNvSpPr>
+          <p:nvPr>
+            <p:ph type="title"/>
+          </p:nvPr>
+        </p:nvSpPr>
+        <p:spPr>
+          <a:xfrm>
+            <a:off x="443307" y="1852124"/>
+            <a:ext cx="12118187" cy="814507"/>
+          </a:xfrm>
+          <a:prstGeom prst="rect">
+            <a:avLst/>
+          </a:prstGeom>
+        </p:spPr>
+        <p:txBody>
+          <a:bodyPr spcFirstLastPara="1" wrap="square" lIns="130027" tIns="130027" rIns="130027" bIns="130027" anchor="t" anchorCtr="0">
+            <a:noAutofit/>
+          </a:bodyPr>
+          <a:lstStyle/>
+          <a:p>
+            <a:r>
+              <a:rPr lang="en"/>
+              <a:t>Data Science Lifecycle</a:t>
+            </a:r>
+            <a:endParaRPr/>
+          </a:p>
+        </p:txBody>
+      </p:sp>
+      <p:pic>
+        <p:nvPicPr>
+          <p:cNvPr id="81" name="Google Shape;81;p16"/>
+          <p:cNvPicPr preferRelativeResize="0"/>
+          <p:nvPr/>
+        </p:nvPicPr>
+        <p:blipFill>
+          <a:blip r:embed="rId3">
+            <a:alphaModFix/>
+          </a:blip>
+          <a:stretch>
+            <a:fillRect/>
+          </a:stretch>
+        </p:blipFill>
+        <p:spPr>
+          <a:xfrm>
+            <a:off x="3151111" y="2666632"/>
+            <a:ext cx="6702566" cy="5434276"/>
+          </a:xfrm>
+          <a:prstGeom prst="rect">
+            <a:avLst/>
+          </a:prstGeom>
+          <a:noFill/>
+          <a:ln>
+            <a:noFill/>
+          </a:ln>
+        </p:spPr>
+      </p:pic>
+      <p:sp>
+        <p:nvSpPr>
+          <p:cNvPr id="82" name="Google Shape;82;p16"/>
+          <p:cNvSpPr txBox="1"/>
+          <p:nvPr/>
+        </p:nvSpPr>
+        <p:spPr>
+          <a:xfrm>
+            <a:off x="8785920" y="7936889"/>
+            <a:ext cx="4218880" cy="506880"/>
+          </a:xfrm>
+          <a:prstGeom prst="rect">
+            <a:avLst/>
+          </a:prstGeom>
+          <a:noFill/>
+          <a:ln>
+            <a:noFill/>
+          </a:ln>
+        </p:spPr>
+        <p:txBody>
+          <a:bodyPr spcFirstLastPara="1" wrap="square" lIns="130027" tIns="130027" rIns="130027" bIns="130027" anchor="t" anchorCtr="0">
+            <a:noAutofit/>
+          </a:bodyPr>
+          <a:lstStyle/>
+          <a:p>
+            <a:pPr algn="l" defTabSz="1300460" hangingPunct="1">
+              <a:buClr>
+                <a:srgbClr val="000000"/>
+              </a:buClr>
+            </a:pPr>
+            <a:r>
+              <a:rPr lang="en" sz="1849" i="1">
+                <a:latin typeface="Arial"/>
+                <a:cs typeface="Arial"/>
+                <a:sym typeface="Arial"/>
+              </a:rPr>
+              <a:t>Source: Data 100 Spring 2020 Slides</a:t>
+            </a:r>
+            <a:endParaRPr sz="1849" i="1">
+              <a:latin typeface="Arial"/>
+              <a:cs typeface="Arial"/>
+              <a:sym typeface="Arial"/>
+            </a:endParaRPr>
+          </a:p>
+        </p:txBody>
+      </p:sp>
+    </p:spTree>
+  </p:cSld>
+  <p:clrMapOvr>
+    <a:masterClrMapping/>
+  </p:clrMapOvr>
+</p:sld>
+</file>
+
+<file path=ppt/slides/slide14.xml><?xml version="1.0" encoding="utf-8"?>
+<p:sld xmlns:a="http://schemas.openxmlformats.org/drawingml/2006/main" xmlns:r="http://schemas.openxmlformats.org/officeDocument/2006/relationships" xmlns:p="http://schemas.openxmlformats.org/presentationml/2006/main">
+  <p:cSld>
+    <p:spTree>
+      <p:nvGrpSpPr>
         <p:cNvPr id="1" name="Shape 108"/>
         <p:cNvGrpSpPr/>
         <p:nvPr/>
@@ -11118,7 +12270,7 @@
 </p:sld>
 </file>
 
-<file path=ppt/slides/slide11.xml><?xml version="1.0" encoding="utf-8"?>
+<file path=ppt/slides/slide15.xml><?xml version="1.0" encoding="utf-8"?>
 <p:sld xmlns:a="http://schemas.openxmlformats.org/drawingml/2006/main" xmlns:r="http://schemas.openxmlformats.org/officeDocument/2006/relationships" xmlns:p="http://schemas.openxmlformats.org/presentationml/2006/main">
   <p:cSld>
     <p:spTree>
@@ -11178,7 +12330,7 @@
 </p:sld>
 </file>
 
-<file path=ppt/slides/slide12.xml><?xml version="1.0" encoding="utf-8"?>
+<file path=ppt/slides/slide16.xml><?xml version="1.0" encoding="utf-8"?>
 <p:sld xmlns:a="http://schemas.openxmlformats.org/drawingml/2006/main" xmlns:r="http://schemas.openxmlformats.org/officeDocument/2006/relationships" xmlns:p="http://schemas.openxmlformats.org/presentationml/2006/main">
   <p:cSld>
     <p:spTree>
@@ -11269,7 +12421,7 @@
           </a:prstGeom>
           <a:extLst>
             <a:ext uri="{C572A759-6A51-4108-AA02-DFA0A04FC94B}">
-              <ma14:wrappingTextBoxFlag xmlns:ma14="http://schemas.microsoft.com/office/mac/drawingml/2011/main" xmlns:a14="http://schemas.microsoft.com/office/drawing/2010/main" xmlns:m="http://schemas.openxmlformats.org/officeDocument/2006/math" xmlns="" val="1"/>
+              <ma14:wrappingTextBoxFlag xmlns="" xmlns:m="http://schemas.openxmlformats.org/officeDocument/2006/math" xmlns:a14="http://schemas.microsoft.com/office/drawing/2010/main" xmlns:ma14="http://schemas.microsoft.com/office/mac/drawingml/2011/main" val="1"/>
             </a:ext>
           </a:extLst>
         </p:spPr>
@@ -11278,7 +12430,8 @@
           <a:lstStyle/>
           <a:p>
             <a:fld id="{86CB4B4D-7CA3-9044-876B-883B54F8677D}" type="slidenum">
-              <a:t>12</a:t>
+              <a:rPr/>
+              <a:t>16</a:t>
             </a:fld>
             <a:endParaRPr/>
           </a:p>
@@ -11498,7 +12651,7 @@
 </p:sld>
 </file>
 
-<file path=ppt/slides/slide13.xml><?xml version="1.0" encoding="utf-8"?>
+<file path=ppt/slides/slide17.xml><?xml version="1.0" encoding="utf-8"?>
 <p:sld xmlns:a="http://schemas.openxmlformats.org/drawingml/2006/main" xmlns:r="http://schemas.openxmlformats.org/officeDocument/2006/relationships" xmlns:p="http://schemas.openxmlformats.org/presentationml/2006/main">
   <p:cSld>
     <p:spTree>
@@ -11598,7 +12751,7 @@
           </a:prstGeom>
           <a:extLst>
             <a:ext uri="{C572A759-6A51-4108-AA02-DFA0A04FC94B}">
-              <ma14:wrappingTextBoxFlag xmlns:ma14="http://schemas.microsoft.com/office/mac/drawingml/2011/main" xmlns:a14="http://schemas.microsoft.com/office/drawing/2010/main" xmlns:m="http://schemas.openxmlformats.org/officeDocument/2006/math" xmlns="" val="1"/>
+              <ma14:wrappingTextBoxFlag xmlns="" xmlns:m="http://schemas.openxmlformats.org/officeDocument/2006/math" xmlns:a14="http://schemas.microsoft.com/office/drawing/2010/main" xmlns:ma14="http://schemas.microsoft.com/office/mac/drawingml/2011/main" val="1"/>
             </a:ext>
           </a:extLst>
         </p:spPr>
@@ -11607,7 +12760,7 @@
           <a:lstStyle/>
           <a:p>
             <a:fld id="{86CB4B4D-7CA3-9044-876B-883B54F8677D}" type="slidenum">
-              <a:t>13</a:t>
+              <a:t>17</a:t>
             </a:fld>
             <a:endParaRPr/>
           </a:p>
@@ -11622,7 +12775,7 @@
 </p:sld>
 </file>
 
-<file path=ppt/slides/slide14.xml><?xml version="1.0" encoding="utf-8"?>
+<file path=ppt/slides/slide18.xml><?xml version="1.0" encoding="utf-8"?>
 <p:sld xmlns:a="http://schemas.openxmlformats.org/drawingml/2006/main" xmlns:r="http://schemas.openxmlformats.org/officeDocument/2006/relationships" xmlns:p="http://schemas.openxmlformats.org/presentationml/2006/main">
   <p:cSld>
     <p:spTree>
@@ -11728,7 +12881,7 @@
           </a:prstGeom>
           <a:extLst>
             <a:ext uri="{C572A759-6A51-4108-AA02-DFA0A04FC94B}">
-              <ma14:wrappingTextBoxFlag xmlns:ma14="http://schemas.microsoft.com/office/mac/drawingml/2011/main" xmlns:a14="http://schemas.microsoft.com/office/drawing/2010/main" xmlns:m="http://schemas.openxmlformats.org/officeDocument/2006/math" xmlns="" val="1"/>
+              <ma14:wrappingTextBoxFlag xmlns="" xmlns:m="http://schemas.openxmlformats.org/officeDocument/2006/math" xmlns:a14="http://schemas.microsoft.com/office/drawing/2010/main" xmlns:ma14="http://schemas.microsoft.com/office/mac/drawingml/2011/main" val="1"/>
             </a:ext>
           </a:extLst>
         </p:spPr>
@@ -11737,7 +12890,7 @@
           <a:lstStyle/>
           <a:p>
             <a:fld id="{86CB4B4D-7CA3-9044-876B-883B54F8677D}" type="slidenum">
-              <a:t>14</a:t>
+              <a:t>18</a:t>
             </a:fld>
             <a:endParaRPr/>
           </a:p>
@@ -11957,7 +13110,7 @@
 </p:sld>
 </file>
 
-<file path=ppt/slides/slide15.xml><?xml version="1.0" encoding="utf-8"?>
+<file path=ppt/slides/slide19.xml><?xml version="1.0" encoding="utf-8"?>
 <p:sld xmlns:a="http://schemas.openxmlformats.org/drawingml/2006/main" xmlns:r="http://schemas.openxmlformats.org/officeDocument/2006/relationships" xmlns:p="http://schemas.openxmlformats.org/presentationml/2006/main">
   <p:cSld>
     <p:spTree>
@@ -11990,7 +13143,7 @@
           </a:prstGeom>
           <a:extLst>
             <a:ext uri="{C572A759-6A51-4108-AA02-DFA0A04FC94B}">
-              <ma14:wrappingTextBoxFlag xmlns:ma14="http://schemas.microsoft.com/office/mac/drawingml/2011/main" xmlns:a14="http://schemas.microsoft.com/office/drawing/2010/main" xmlns:m="http://schemas.openxmlformats.org/officeDocument/2006/math" xmlns="" val="1"/>
+              <ma14:wrappingTextBoxFlag xmlns="" xmlns:m="http://schemas.openxmlformats.org/officeDocument/2006/math" xmlns:a14="http://schemas.microsoft.com/office/drawing/2010/main" xmlns:ma14="http://schemas.microsoft.com/office/mac/drawingml/2011/main" val="1"/>
             </a:ext>
           </a:extLst>
         </p:spPr>
@@ -11999,7 +13152,7 @@
           <a:lstStyle/>
           <a:p>
             <a:fld id="{86CB4B4D-7CA3-9044-876B-883B54F8677D}" type="slidenum">
-              <a:t>15</a:t>
+              <a:t>19</a:t>
             </a:fld>
             <a:endParaRPr/>
           </a:p>
@@ -12024,7 +13177,7 @@
           </a:ln>
           <a:extLst>
             <a:ext uri="{C572A759-6A51-4108-AA02-DFA0A04FC94B}">
-              <ma14:wrappingTextBoxFlag xmlns:ma14="http://schemas.microsoft.com/office/mac/drawingml/2011/main" xmlns:a14="http://schemas.microsoft.com/office/drawing/2010/main" xmlns:m="http://schemas.openxmlformats.org/officeDocument/2006/math" xmlns="" val="1"/>
+              <ma14:wrappingTextBoxFlag xmlns="" xmlns:m="http://schemas.openxmlformats.org/officeDocument/2006/math" xmlns:a14="http://schemas.microsoft.com/office/drawing/2010/main" xmlns:ma14="http://schemas.microsoft.com/office/mac/drawingml/2011/main" val="1"/>
             </a:ext>
           </a:extLst>
         </p:spPr>
@@ -12574,919 +13727,6 @@
 </p:sld>
 </file>
 
-<file path=ppt/slides/slide16.xml><?xml version="1.0" encoding="utf-8"?>
-<p:sld xmlns:a="http://schemas.openxmlformats.org/drawingml/2006/main" xmlns:r="http://schemas.openxmlformats.org/officeDocument/2006/relationships" xmlns:p="http://schemas.openxmlformats.org/presentationml/2006/main">
-  <p:cSld>
-    <p:spTree>
-      <p:nvGrpSpPr>
-        <p:cNvPr id="1" name=""/>
-        <p:cNvGrpSpPr/>
-        <p:nvPr/>
-      </p:nvGrpSpPr>
-      <p:grpSpPr>
-        <a:xfrm>
-          <a:off x="0" y="0"/>
-          <a:ext cx="0" cy="0"/>
-          <a:chOff x="0" y="0"/>
-          <a:chExt cx="0" cy="0"/>
-        </a:xfrm>
-      </p:grpSpPr>
-      <p:sp>
-        <p:nvSpPr>
-          <p:cNvPr id="276" name="Slide Number"/>
-          <p:cNvSpPr txBox="1">
-            <a:spLocks noGrp="1"/>
-          </p:cNvSpPr>
-          <p:nvPr>
-            <p:ph type="sldNum" sz="quarter" idx="2"/>
-          </p:nvPr>
-        </p:nvSpPr>
-        <p:spPr>
-          <a:prstGeom prst="rect">
-            <a:avLst/>
-          </a:prstGeom>
-          <a:extLst>
-            <a:ext uri="{C572A759-6A51-4108-AA02-DFA0A04FC94B}">
-              <ma14:wrappingTextBoxFlag xmlns:ma14="http://schemas.microsoft.com/office/mac/drawingml/2011/main" xmlns:a14="http://schemas.microsoft.com/office/drawing/2010/main" xmlns:m="http://schemas.openxmlformats.org/officeDocument/2006/math" xmlns="" val="1"/>
-            </a:ext>
-          </a:extLst>
-        </p:spPr>
-        <p:txBody>
-          <a:bodyPr/>
-          <a:lstStyle/>
-          <a:p>
-            <a:fld id="{86CB4B4D-7CA3-9044-876B-883B54F8677D}" type="slidenum">
-              <a:t>16</a:t>
-            </a:fld>
-            <a:endParaRPr/>
-          </a:p>
-        </p:txBody>
-      </p:sp>
-      <p:sp>
-        <p:nvSpPr>
-          <p:cNvPr id="277" name="Productive Struggle…"/>
-          <p:cNvSpPr txBox="1"/>
-          <p:nvPr/>
-        </p:nvSpPr>
-        <p:spPr>
-          <a:xfrm>
-            <a:off x="170492" y="324295"/>
-            <a:ext cx="12663816" cy="9105010"/>
-          </a:xfrm>
-          <a:prstGeom prst="rect">
-            <a:avLst/>
-          </a:prstGeom>
-          <a:ln w="12700">
-            <a:miter lim="400000"/>
-          </a:ln>
-          <a:extLst>
-            <a:ext uri="{C572A759-6A51-4108-AA02-DFA0A04FC94B}">
-              <ma14:wrappingTextBoxFlag xmlns:ma14="http://schemas.microsoft.com/office/mac/drawingml/2011/main" xmlns:a14="http://schemas.microsoft.com/office/drawing/2010/main" xmlns:m="http://schemas.openxmlformats.org/officeDocument/2006/math" xmlns="" val="1"/>
-            </a:ext>
-          </a:extLst>
-        </p:spPr>
-        <p:txBody>
-          <a:bodyPr lIns="0" tIns="0" rIns="0" bIns="0" numCol="2" spcCol="633190"/>
-          <a:lstStyle/>
-          <a:p>
-            <a:pPr marL="228600" indent="-228600">
-              <a:spcBef>
-                <a:spcPts val="700"/>
-              </a:spcBef>
-              <a:defRPr sz="4100" b="1">
-                <a:latin typeface="Helvetica"/>
-                <a:ea typeface="Helvetica"/>
-                <a:cs typeface="Helvetica"/>
-                <a:sym typeface="Helvetica"/>
-              </a:defRPr>
-            </a:pPr>
-            <a:r>
-              <a:t>Productive Struggle</a:t>
-            </a:r>
-          </a:p>
-          <a:p>
-            <a:pPr marL="228600" indent="-228600">
-              <a:spcBef>
-                <a:spcPts val="700"/>
-              </a:spcBef>
-              <a:defRPr sz="4100" b="1">
-                <a:latin typeface="Helvetica"/>
-                <a:ea typeface="Helvetica"/>
-                <a:cs typeface="Helvetica"/>
-                <a:sym typeface="Helvetica"/>
-              </a:defRPr>
-            </a:pPr>
-            <a:endParaRPr/>
-          </a:p>
-          <a:p>
-            <a:pPr marL="228600" indent="-228600" algn="l">
-              <a:spcBef>
-                <a:spcPts val="700"/>
-              </a:spcBef>
-              <a:defRPr sz="4100"/>
-            </a:pPr>
-            <a:r>
-              <a:t>• Leads to understanding</a:t>
-            </a:r>
-          </a:p>
-          <a:p>
-            <a:pPr marL="228600" indent="-228600" algn="l">
-              <a:spcBef>
-                <a:spcPts val="700"/>
-              </a:spcBef>
-              <a:defRPr sz="4100"/>
-            </a:pPr>
-            <a:r>
-              <a:t>• Makes learning goals feel attainable and effort seem worthwhile</a:t>
-            </a:r>
-          </a:p>
-          <a:p>
-            <a:pPr marL="228600" indent="-228600" algn="l">
-              <a:spcBef>
-                <a:spcPts val="700"/>
-              </a:spcBef>
-              <a:defRPr sz="4100"/>
-            </a:pPr>
-            <a:r>
-              <a:t>• Yields results</a:t>
-            </a:r>
-          </a:p>
-          <a:p>
-            <a:pPr marL="228600" indent="-228600" algn="l">
-              <a:spcBef>
-                <a:spcPts val="700"/>
-              </a:spcBef>
-              <a:defRPr sz="4100"/>
-            </a:pPr>
-            <a:r>
-              <a:t>• Leads students to feelings of empowerment and efficacy</a:t>
-            </a:r>
-          </a:p>
-          <a:p>
-            <a:pPr marL="518583" indent="-518583" algn="l">
-              <a:spcBef>
-                <a:spcPts val="700"/>
-              </a:spcBef>
-              <a:buSzPct val="75000"/>
-              <a:buChar char="•"/>
-              <a:defRPr sz="4100"/>
-            </a:pPr>
-            <a:r>
-              <a:t>Creates a sense of hope</a:t>
-            </a:r>
-          </a:p>
-          <a:p>
-            <a:pPr marL="228600" indent="-228600" algn="l">
-              <a:spcBef>
-                <a:spcPts val="700"/>
-              </a:spcBef>
-              <a:defRPr sz="4100" b="1">
-                <a:latin typeface="Helvetica"/>
-                <a:ea typeface="Helvetica"/>
-                <a:cs typeface="Helvetica"/>
-                <a:sym typeface="Helvetica"/>
-              </a:defRPr>
-            </a:pPr>
-            <a:r>
-              <a:t>Destructive Struggle</a:t>
-            </a:r>
-          </a:p>
-          <a:p>
-            <a:pPr marL="228600" indent="-228600" algn="l">
-              <a:spcBef>
-                <a:spcPts val="700"/>
-              </a:spcBef>
-              <a:defRPr sz="4100" b="1">
-                <a:latin typeface="Helvetica"/>
-                <a:ea typeface="Helvetica"/>
-                <a:cs typeface="Helvetica"/>
-                <a:sym typeface="Helvetica"/>
-              </a:defRPr>
-            </a:pPr>
-            <a:endParaRPr/>
-          </a:p>
-        </p:txBody>
-      </p:sp>
-    </p:spTree>
-  </p:cSld>
-  <p:clrMapOvr>
-    <a:masterClrMapping/>
-  </p:clrMapOvr>
-  <p:transition spd="med"/>
-</p:sld>
-</file>
-
-<file path=ppt/slides/slide17.xml><?xml version="1.0" encoding="utf-8"?>
-<p:sld xmlns:a="http://schemas.openxmlformats.org/drawingml/2006/main" xmlns:r="http://schemas.openxmlformats.org/officeDocument/2006/relationships" xmlns:p="http://schemas.openxmlformats.org/presentationml/2006/main">
-  <p:cSld>
-    <p:spTree>
-      <p:nvGrpSpPr>
-        <p:cNvPr id="1" name=""/>
-        <p:cNvGrpSpPr/>
-        <p:nvPr/>
-      </p:nvGrpSpPr>
-      <p:grpSpPr>
-        <a:xfrm>
-          <a:off x="0" y="0"/>
-          <a:ext cx="0" cy="0"/>
-          <a:chOff x="0" y="0"/>
-          <a:chExt cx="0" cy="0"/>
-        </a:xfrm>
-      </p:grpSpPr>
-      <p:sp>
-        <p:nvSpPr>
-          <p:cNvPr id="279" name="Slide Number"/>
-          <p:cNvSpPr txBox="1">
-            <a:spLocks noGrp="1"/>
-          </p:cNvSpPr>
-          <p:nvPr>
-            <p:ph type="sldNum" sz="quarter" idx="2"/>
-          </p:nvPr>
-        </p:nvSpPr>
-        <p:spPr>
-          <a:prstGeom prst="rect">
-            <a:avLst/>
-          </a:prstGeom>
-          <a:extLst>
-            <a:ext uri="{C572A759-6A51-4108-AA02-DFA0A04FC94B}">
-              <ma14:wrappingTextBoxFlag xmlns:ma14="http://schemas.microsoft.com/office/mac/drawingml/2011/main" xmlns:a14="http://schemas.microsoft.com/office/drawing/2010/main" xmlns:m="http://schemas.openxmlformats.org/officeDocument/2006/math" xmlns="" val="1"/>
-            </a:ext>
-          </a:extLst>
-        </p:spPr>
-        <p:txBody>
-          <a:bodyPr/>
-          <a:lstStyle/>
-          <a:p>
-            <a:fld id="{86CB4B4D-7CA3-9044-876B-883B54F8677D}" type="slidenum">
-              <a:t>17</a:t>
-            </a:fld>
-            <a:endParaRPr/>
-          </a:p>
-        </p:txBody>
-      </p:sp>
-      <p:sp>
-        <p:nvSpPr>
-          <p:cNvPr id="280" name="Productive Struggle…"/>
-          <p:cNvSpPr txBox="1"/>
-          <p:nvPr/>
-        </p:nvSpPr>
-        <p:spPr>
-          <a:xfrm>
-            <a:off x="170492" y="324295"/>
-            <a:ext cx="12663816" cy="9105010"/>
-          </a:xfrm>
-          <a:prstGeom prst="rect">
-            <a:avLst/>
-          </a:prstGeom>
-          <a:ln w="12700">
-            <a:miter lim="400000"/>
-          </a:ln>
-          <a:extLst>
-            <a:ext uri="{C572A759-6A51-4108-AA02-DFA0A04FC94B}">
-              <ma14:wrappingTextBoxFlag xmlns:ma14="http://schemas.microsoft.com/office/mac/drawingml/2011/main" xmlns:a14="http://schemas.microsoft.com/office/drawing/2010/main" xmlns:m="http://schemas.openxmlformats.org/officeDocument/2006/math" xmlns="" val="1"/>
-            </a:ext>
-          </a:extLst>
-        </p:spPr>
-        <p:txBody>
-          <a:bodyPr lIns="0" tIns="0" rIns="0" bIns="0" numCol="2" spcCol="633190"/>
-          <a:lstStyle/>
-          <a:p>
-            <a:pPr marL="228600" indent="-228600">
-              <a:spcBef>
-                <a:spcPts val="700"/>
-              </a:spcBef>
-              <a:defRPr sz="4100" b="1">
-                <a:latin typeface="Helvetica"/>
-                <a:ea typeface="Helvetica"/>
-                <a:cs typeface="Helvetica"/>
-                <a:sym typeface="Helvetica"/>
-              </a:defRPr>
-            </a:pPr>
-            <a:r>
-              <a:t>Productive Struggle</a:t>
-            </a:r>
-          </a:p>
-          <a:p>
-            <a:pPr marL="228600" indent="-228600">
-              <a:spcBef>
-                <a:spcPts val="700"/>
-              </a:spcBef>
-              <a:defRPr sz="4100" b="1">
-                <a:latin typeface="Helvetica"/>
-                <a:ea typeface="Helvetica"/>
-                <a:cs typeface="Helvetica"/>
-                <a:sym typeface="Helvetica"/>
-              </a:defRPr>
-            </a:pPr>
-            <a:endParaRPr/>
-          </a:p>
-          <a:p>
-            <a:pPr marL="228600" indent="-228600" algn="l">
-              <a:spcBef>
-                <a:spcPts val="700"/>
-              </a:spcBef>
-              <a:defRPr sz="4100"/>
-            </a:pPr>
-            <a:r>
-              <a:t>• Leads to understanding</a:t>
-            </a:r>
-          </a:p>
-          <a:p>
-            <a:pPr marL="228600" indent="-228600" algn="l">
-              <a:spcBef>
-                <a:spcPts val="700"/>
-              </a:spcBef>
-              <a:defRPr sz="4100"/>
-            </a:pPr>
-            <a:r>
-              <a:t>• Makes learning goals feel attainable and effort seem worthwhile</a:t>
-            </a:r>
-          </a:p>
-          <a:p>
-            <a:pPr marL="228600" indent="-228600" algn="l">
-              <a:spcBef>
-                <a:spcPts val="700"/>
-              </a:spcBef>
-              <a:defRPr sz="4100"/>
-            </a:pPr>
-            <a:r>
-              <a:t>• Yields results</a:t>
-            </a:r>
-          </a:p>
-          <a:p>
-            <a:pPr marL="228600" indent="-228600" algn="l">
-              <a:spcBef>
-                <a:spcPts val="700"/>
-              </a:spcBef>
-              <a:defRPr sz="4100"/>
-            </a:pPr>
-            <a:r>
-              <a:t>• Leads students to feelings of empowerment and efficacy</a:t>
-            </a:r>
-          </a:p>
-          <a:p>
-            <a:pPr marL="518583" indent="-518583" algn="l">
-              <a:spcBef>
-                <a:spcPts val="700"/>
-              </a:spcBef>
-              <a:buSzPct val="75000"/>
-              <a:buChar char="•"/>
-              <a:defRPr sz="4100"/>
-            </a:pPr>
-            <a:r>
-              <a:t>Creates a sense of hope</a:t>
-            </a:r>
-          </a:p>
-          <a:p>
-            <a:pPr marL="228600" indent="-228600" algn="l">
-              <a:spcBef>
-                <a:spcPts val="700"/>
-              </a:spcBef>
-              <a:defRPr sz="4100" b="1">
-                <a:latin typeface="Helvetica"/>
-                <a:ea typeface="Helvetica"/>
-                <a:cs typeface="Helvetica"/>
-                <a:sym typeface="Helvetica"/>
-              </a:defRPr>
-            </a:pPr>
-            <a:r>
-              <a:t>Destructive Struggle</a:t>
-            </a:r>
-          </a:p>
-          <a:p>
-            <a:pPr marL="228600" indent="-228600" algn="l">
-              <a:spcBef>
-                <a:spcPts val="700"/>
-              </a:spcBef>
-              <a:defRPr sz="4100" b="1">
-                <a:latin typeface="Helvetica"/>
-                <a:ea typeface="Helvetica"/>
-                <a:cs typeface="Helvetica"/>
-                <a:sym typeface="Helvetica"/>
-              </a:defRPr>
-            </a:pPr>
-            <a:endParaRPr/>
-          </a:p>
-          <a:p>
-            <a:pPr marL="228600" indent="-228600" algn="l">
-              <a:spcBef>
-                <a:spcPts val="700"/>
-              </a:spcBef>
-              <a:defRPr sz="4100"/>
-            </a:pPr>
-            <a:r>
-              <a:t>• Leads to frustration</a:t>
-            </a:r>
-          </a:p>
-          <a:p>
-            <a:pPr marL="228600" indent="-228600" algn="l">
-              <a:spcBef>
-                <a:spcPts val="700"/>
-              </a:spcBef>
-              <a:defRPr sz="4100"/>
-            </a:pPr>
-            <a:r>
-              <a:t>• Makes learning goals feel hazy and out of reach</a:t>
-            </a:r>
-          </a:p>
-          <a:p>
-            <a:pPr marL="228600" indent="-228600" algn="l">
-              <a:spcBef>
-                <a:spcPts val="700"/>
-              </a:spcBef>
-              <a:defRPr sz="4100"/>
-            </a:pPr>
-            <a:r>
-              <a:t>• Feels fruitless</a:t>
-            </a:r>
-          </a:p>
-          <a:p>
-            <a:pPr marL="228600" indent="-228600" algn="l">
-              <a:spcBef>
-                <a:spcPts val="700"/>
-              </a:spcBef>
-              <a:defRPr sz="4100"/>
-            </a:pPr>
-            <a:r>
-              <a:t>• Leaves students feeling abandoned and on their own</a:t>
-            </a:r>
-          </a:p>
-          <a:p>
-            <a:pPr marL="228600" indent="-228600" algn="l">
-              <a:spcBef>
-                <a:spcPts val="700"/>
-              </a:spcBef>
-              <a:defRPr sz="4100"/>
-            </a:pPr>
-            <a:endParaRPr/>
-          </a:p>
-          <a:p>
-            <a:pPr marL="228600" indent="-228600" algn="l">
-              <a:spcBef>
-                <a:spcPts val="700"/>
-              </a:spcBef>
-              <a:defRPr sz="4100"/>
-            </a:pPr>
-            <a:r>
-              <a:t>• Creates a sense of</a:t>
-            </a:r>
-          </a:p>
-          <a:p>
-            <a:pPr marL="228600" indent="-228600" algn="l">
-              <a:spcBef>
-                <a:spcPts val="700"/>
-              </a:spcBef>
-              <a:defRPr sz="4100"/>
-            </a:pPr>
-            <a:r>
-              <a:t>	inadequacy</a:t>
-            </a:r>
-          </a:p>
-        </p:txBody>
-      </p:sp>
-    </p:spTree>
-  </p:cSld>
-  <p:clrMapOvr>
-    <a:masterClrMapping/>
-  </p:clrMapOvr>
-  <p:transition spd="med"/>
-</p:sld>
-</file>
-
-<file path=ppt/slides/slide18.xml><?xml version="1.0" encoding="utf-8"?>
-<p:sld xmlns:a="http://schemas.openxmlformats.org/drawingml/2006/main" xmlns:r="http://schemas.openxmlformats.org/officeDocument/2006/relationships" xmlns:p="http://schemas.openxmlformats.org/presentationml/2006/main">
-  <p:cSld>
-    <p:spTree>
-      <p:nvGrpSpPr>
-        <p:cNvPr id="1" name=""/>
-        <p:cNvGrpSpPr/>
-        <p:nvPr/>
-      </p:nvGrpSpPr>
-      <p:grpSpPr>
-        <a:xfrm>
-          <a:off x="0" y="0"/>
-          <a:ext cx="0" cy="0"/>
-          <a:chOff x="0" y="0"/>
-          <a:chExt cx="0" cy="0"/>
-        </a:xfrm>
-      </p:grpSpPr>
-      <p:sp>
-        <p:nvSpPr>
-          <p:cNvPr id="282" name="Slide Number"/>
-          <p:cNvSpPr txBox="1">
-            <a:spLocks noGrp="1"/>
-          </p:cNvSpPr>
-          <p:nvPr>
-            <p:ph type="sldNum" sz="quarter" idx="2"/>
-          </p:nvPr>
-        </p:nvSpPr>
-        <p:spPr>
-          <a:prstGeom prst="rect">
-            <a:avLst/>
-          </a:prstGeom>
-          <a:extLst>
-            <a:ext uri="{C572A759-6A51-4108-AA02-DFA0A04FC94B}">
-              <ma14:wrappingTextBoxFlag xmlns:ma14="http://schemas.microsoft.com/office/mac/drawingml/2011/main" xmlns:a14="http://schemas.microsoft.com/office/drawing/2010/main" xmlns:m="http://schemas.openxmlformats.org/officeDocument/2006/math" xmlns="" val="1"/>
-            </a:ext>
-          </a:extLst>
-        </p:spPr>
-        <p:txBody>
-          <a:bodyPr/>
-          <a:lstStyle/>
-          <a:p>
-            <a:fld id="{86CB4B4D-7CA3-9044-876B-883B54F8677D}" type="slidenum">
-              <a:t>18</a:t>
-            </a:fld>
-            <a:endParaRPr/>
-          </a:p>
-        </p:txBody>
-      </p:sp>
-      <p:sp>
-        <p:nvSpPr>
-          <p:cNvPr id="283" name="Productive Struggle…"/>
-          <p:cNvSpPr txBox="1"/>
-          <p:nvPr/>
-        </p:nvSpPr>
-        <p:spPr>
-          <a:xfrm>
-            <a:off x="170492" y="324295"/>
-            <a:ext cx="12663816" cy="9105010"/>
-          </a:xfrm>
-          <a:prstGeom prst="rect">
-            <a:avLst/>
-          </a:prstGeom>
-          <a:ln w="12700">
-            <a:miter lim="400000"/>
-          </a:ln>
-          <a:extLst>
-            <a:ext uri="{C572A759-6A51-4108-AA02-DFA0A04FC94B}">
-              <ma14:wrappingTextBoxFlag xmlns:ma14="http://schemas.microsoft.com/office/mac/drawingml/2011/main" xmlns:a14="http://schemas.microsoft.com/office/drawing/2010/main" xmlns:m="http://schemas.openxmlformats.org/officeDocument/2006/math" xmlns="" val="1"/>
-            </a:ext>
-          </a:extLst>
-        </p:spPr>
-        <p:txBody>
-          <a:bodyPr lIns="0" tIns="0" rIns="0" bIns="0" numCol="2" spcCol="633190"/>
-          <a:lstStyle/>
-          <a:p>
-            <a:pPr marL="228600" indent="-228600">
-              <a:spcBef>
-                <a:spcPts val="700"/>
-              </a:spcBef>
-              <a:defRPr sz="4100" b="1">
-                <a:latin typeface="Helvetica"/>
-                <a:ea typeface="Helvetica"/>
-                <a:cs typeface="Helvetica"/>
-                <a:sym typeface="Helvetica"/>
-              </a:defRPr>
-            </a:pPr>
-            <a:r>
-              <a:t>Productive Struggle</a:t>
-            </a:r>
-          </a:p>
-          <a:p>
-            <a:pPr marL="228600" indent="-228600">
-              <a:spcBef>
-                <a:spcPts val="700"/>
-              </a:spcBef>
-              <a:defRPr sz="4100" b="1">
-                <a:latin typeface="Helvetica"/>
-                <a:ea typeface="Helvetica"/>
-                <a:cs typeface="Helvetica"/>
-                <a:sym typeface="Helvetica"/>
-              </a:defRPr>
-            </a:pPr>
-            <a:endParaRPr/>
-          </a:p>
-          <a:p>
-            <a:pPr marL="228600" indent="-228600" algn="l">
-              <a:spcBef>
-                <a:spcPts val="700"/>
-              </a:spcBef>
-              <a:defRPr sz="4100"/>
-            </a:pPr>
-            <a:r>
-              <a:t>• Leads to understanding</a:t>
-            </a:r>
-          </a:p>
-          <a:p>
-            <a:pPr marL="228600" indent="-228600" algn="l">
-              <a:spcBef>
-                <a:spcPts val="700"/>
-              </a:spcBef>
-              <a:defRPr sz="4100"/>
-            </a:pPr>
-            <a:r>
-              <a:t>• Makes learning goals feel attainable and effort seem worthwhile</a:t>
-            </a:r>
-          </a:p>
-          <a:p>
-            <a:pPr marL="228600" indent="-228600" algn="l">
-              <a:spcBef>
-                <a:spcPts val="700"/>
-              </a:spcBef>
-              <a:defRPr sz="4100"/>
-            </a:pPr>
-            <a:r>
-              <a:t>• Yields results</a:t>
-            </a:r>
-          </a:p>
-          <a:p>
-            <a:pPr marL="228600" indent="-228600" algn="l">
-              <a:spcBef>
-                <a:spcPts val="700"/>
-              </a:spcBef>
-              <a:defRPr sz="4100"/>
-            </a:pPr>
-            <a:r>
-              <a:t>• Leads students to feelings of empowerment and efficacy</a:t>
-            </a:r>
-          </a:p>
-          <a:p>
-            <a:pPr marL="518583" indent="-518583" algn="l">
-              <a:spcBef>
-                <a:spcPts val="700"/>
-              </a:spcBef>
-              <a:buSzPct val="75000"/>
-              <a:buChar char="•"/>
-              <a:defRPr sz="4100"/>
-            </a:pPr>
-            <a:r>
-              <a:t>Creates a sense of hope</a:t>
-            </a:r>
-          </a:p>
-          <a:p>
-            <a:pPr marL="228600" indent="-228600" algn="l">
-              <a:spcBef>
-                <a:spcPts val="700"/>
-              </a:spcBef>
-              <a:defRPr sz="4100" b="1">
-                <a:latin typeface="Helvetica"/>
-                <a:ea typeface="Helvetica"/>
-                <a:cs typeface="Helvetica"/>
-                <a:sym typeface="Helvetica"/>
-              </a:defRPr>
-            </a:pPr>
-            <a:r>
-              <a:t>Destructive Struggle</a:t>
-            </a:r>
-          </a:p>
-          <a:p>
-            <a:pPr marL="228600" indent="-228600" algn="l">
-              <a:spcBef>
-                <a:spcPts val="700"/>
-              </a:spcBef>
-              <a:defRPr sz="4100" b="1">
-                <a:latin typeface="Helvetica"/>
-                <a:ea typeface="Helvetica"/>
-                <a:cs typeface="Helvetica"/>
-                <a:sym typeface="Helvetica"/>
-              </a:defRPr>
-            </a:pPr>
-            <a:endParaRPr/>
-          </a:p>
-          <a:p>
-            <a:pPr marL="228600" indent="-228600" algn="l">
-              <a:spcBef>
-                <a:spcPts val="700"/>
-              </a:spcBef>
-              <a:defRPr sz="4100"/>
-            </a:pPr>
-            <a:r>
-              <a:t>• Leads to frustration</a:t>
-            </a:r>
-          </a:p>
-          <a:p>
-            <a:pPr marL="228600" indent="-228600" algn="l">
-              <a:spcBef>
-                <a:spcPts val="700"/>
-              </a:spcBef>
-              <a:defRPr sz="4100"/>
-            </a:pPr>
-            <a:r>
-              <a:t>• Makes learning goals feel hazy and out of reach</a:t>
-            </a:r>
-          </a:p>
-          <a:p>
-            <a:pPr marL="228600" indent="-228600" algn="l">
-              <a:spcBef>
-                <a:spcPts val="700"/>
-              </a:spcBef>
-              <a:defRPr sz="4100"/>
-            </a:pPr>
-            <a:r>
-              <a:t>• Feels fruitless</a:t>
-            </a:r>
-          </a:p>
-          <a:p>
-            <a:pPr marL="228600" indent="-228600" algn="l">
-              <a:spcBef>
-                <a:spcPts val="700"/>
-              </a:spcBef>
-              <a:defRPr sz="4100"/>
-            </a:pPr>
-            <a:r>
-              <a:t>• Leaves students feeling abandoned and on their own</a:t>
-            </a:r>
-          </a:p>
-          <a:p>
-            <a:pPr marL="228600" indent="-228600" algn="l">
-              <a:spcBef>
-                <a:spcPts val="700"/>
-              </a:spcBef>
-              <a:defRPr sz="4100"/>
-            </a:pPr>
-            <a:endParaRPr/>
-          </a:p>
-          <a:p>
-            <a:pPr marL="228600" indent="-228600" algn="l">
-              <a:spcBef>
-                <a:spcPts val="700"/>
-              </a:spcBef>
-              <a:defRPr sz="4100"/>
-            </a:pPr>
-            <a:r>
-              <a:t>• Creates a sense of</a:t>
-            </a:r>
-          </a:p>
-          <a:p>
-            <a:pPr marL="228600" indent="-228600" algn="l">
-              <a:spcBef>
-                <a:spcPts val="700"/>
-              </a:spcBef>
-              <a:defRPr sz="4100"/>
-            </a:pPr>
-            <a:r>
-              <a:t>	inadequacy</a:t>
-            </a:r>
-          </a:p>
-        </p:txBody>
-      </p:sp>
-      <p:sp>
-        <p:nvSpPr>
-          <p:cNvPr id="284" name="Line"/>
-          <p:cNvSpPr/>
-          <p:nvPr/>
-        </p:nvSpPr>
-        <p:spPr>
-          <a:xfrm>
-            <a:off x="6788770" y="336421"/>
-            <a:ext cx="5817583" cy="9080759"/>
-          </a:xfrm>
-          <a:prstGeom prst="line">
-            <a:avLst/>
-          </a:prstGeom>
-          <a:ln w="279400">
-            <a:solidFill>
-              <a:schemeClr val="accent5"/>
-            </a:solidFill>
-            <a:miter lim="400000"/>
-          </a:ln>
-        </p:spPr>
-        <p:txBody>
-          <a:bodyPr lIns="50800" tIns="50800" rIns="50800" bIns="50800" anchor="ctr"/>
-          <a:lstStyle/>
-          <a:p>
-            <a:pPr>
-              <a:defRPr sz="2400"/>
-            </a:pPr>
-            <a:endParaRPr/>
-          </a:p>
-        </p:txBody>
-      </p:sp>
-      <p:sp>
-        <p:nvSpPr>
-          <p:cNvPr id="285" name="Line"/>
-          <p:cNvSpPr/>
-          <p:nvPr/>
-        </p:nvSpPr>
-        <p:spPr>
-          <a:xfrm flipH="1">
-            <a:off x="6984624" y="449087"/>
-            <a:ext cx="5425873" cy="8855426"/>
-          </a:xfrm>
-          <a:prstGeom prst="line">
-            <a:avLst/>
-          </a:prstGeom>
-          <a:ln w="279400">
-            <a:solidFill>
-              <a:schemeClr val="accent5"/>
-            </a:solidFill>
-            <a:miter lim="400000"/>
-          </a:ln>
-        </p:spPr>
-        <p:txBody>
-          <a:bodyPr lIns="50800" tIns="50800" rIns="50800" bIns="50800" anchor="ctr"/>
-          <a:lstStyle/>
-          <a:p>
-            <a:pPr>
-              <a:defRPr sz="2400"/>
-            </a:pPr>
-            <a:endParaRPr/>
-          </a:p>
-        </p:txBody>
-      </p:sp>
-    </p:spTree>
-  </p:cSld>
-  <p:clrMapOvr>
-    <a:masterClrMapping/>
-  </p:clrMapOvr>
-  <p:transition spd="med"/>
-</p:sld>
-</file>
-
-<file path=ppt/slides/slide19.xml><?xml version="1.0" encoding="utf-8"?>
-<p:sld xmlns:a="http://schemas.openxmlformats.org/drawingml/2006/main" xmlns:r="http://schemas.openxmlformats.org/officeDocument/2006/relationships" xmlns:p="http://schemas.openxmlformats.org/presentationml/2006/main">
-  <p:cSld>
-    <p:spTree>
-      <p:nvGrpSpPr>
-        <p:cNvPr id="1" name=""/>
-        <p:cNvGrpSpPr/>
-        <p:nvPr/>
-      </p:nvGrpSpPr>
-      <p:grpSpPr>
-        <a:xfrm>
-          <a:off x="0" y="0"/>
-          <a:ext cx="0" cy="0"/>
-          <a:chOff x="0" y="0"/>
-          <a:chExt cx="0" cy="0"/>
-        </a:xfrm>
-      </p:grpSpPr>
-      <p:sp>
-        <p:nvSpPr>
-          <p:cNvPr id="297" name="Now to begin our quantitative skills"/>
-          <p:cNvSpPr txBox="1">
-            <a:spLocks noGrp="1"/>
-          </p:cNvSpPr>
-          <p:nvPr>
-            <p:ph type="title"/>
-          </p:nvPr>
-        </p:nvSpPr>
-        <p:spPr>
-          <a:prstGeom prst="rect">
-            <a:avLst/>
-          </a:prstGeom>
-        </p:spPr>
-        <p:txBody>
-          <a:bodyPr/>
-          <a:lstStyle/>
-          <a:p>
-            <a:r>
-              <a:rPr dirty="0"/>
-              <a:t>Now to begin our </a:t>
-            </a:r>
-            <a:r>
-              <a:rPr lang="en-GB" dirty="0"/>
-              <a:t>Data Science Journey</a:t>
-            </a:r>
-            <a:endParaRPr dirty="0"/>
-          </a:p>
-        </p:txBody>
-      </p:sp>
-      <p:sp>
-        <p:nvSpPr>
-          <p:cNvPr id="2" name="Text Placeholder 1">
-            <a:extLst>
-              <a:ext uri="{FF2B5EF4-FFF2-40B4-BE49-F238E27FC236}">
-                <a16:creationId xmlns:a16="http://schemas.microsoft.com/office/drawing/2014/main" id="{6D2D030B-7C16-A440-BD57-5A9A7EC600AE}"/>
-              </a:ext>
-            </a:extLst>
-          </p:cNvPr>
-          <p:cNvSpPr>
-            <a:spLocks noGrp="1"/>
-          </p:cNvSpPr>
-          <p:nvPr>
-            <p:ph type="body" sz="quarter" idx="1"/>
-          </p:nvPr>
-        </p:nvSpPr>
-        <p:spPr/>
-        <p:txBody>
-          <a:bodyPr/>
-          <a:lstStyle/>
-          <a:p>
-            <a:r>
-              <a:rPr lang="en-US" dirty="0"/>
-              <a:t>Python and </a:t>
-            </a:r>
-            <a:r>
-              <a:rPr lang="en-US" dirty="0" err="1"/>
-              <a:t>Jupyter</a:t>
-            </a:r>
-            <a:r>
-              <a:rPr lang="en-US" dirty="0"/>
-              <a:t> Demo</a:t>
-            </a:r>
-          </a:p>
-        </p:txBody>
-      </p:sp>
-    </p:spTree>
-  </p:cSld>
-  <p:clrMapOvr>
-    <a:masterClrMapping/>
-  </p:clrMapOvr>
-  <p:transition spd="med"/>
-</p:sld>
-</file>
-
 <file path=ppt/slides/slide2.xml><?xml version="1.0" encoding="utf-8"?>
 <p:sld xmlns:a="http://schemas.openxmlformats.org/drawingml/2006/main" xmlns:r="http://schemas.openxmlformats.org/officeDocument/2006/relationships" xmlns:p="http://schemas.openxmlformats.org/presentationml/2006/main">
   <p:cSld>
@@ -13549,6 +13789,919 @@
 </file>
 
 <file path=ppt/slides/slide20.xml><?xml version="1.0" encoding="utf-8"?>
+<p:sld xmlns:a="http://schemas.openxmlformats.org/drawingml/2006/main" xmlns:r="http://schemas.openxmlformats.org/officeDocument/2006/relationships" xmlns:p="http://schemas.openxmlformats.org/presentationml/2006/main">
+  <p:cSld>
+    <p:spTree>
+      <p:nvGrpSpPr>
+        <p:cNvPr id="1" name=""/>
+        <p:cNvGrpSpPr/>
+        <p:nvPr/>
+      </p:nvGrpSpPr>
+      <p:grpSpPr>
+        <a:xfrm>
+          <a:off x="0" y="0"/>
+          <a:ext cx="0" cy="0"/>
+          <a:chOff x="0" y="0"/>
+          <a:chExt cx="0" cy="0"/>
+        </a:xfrm>
+      </p:grpSpPr>
+      <p:sp>
+        <p:nvSpPr>
+          <p:cNvPr id="276" name="Slide Number"/>
+          <p:cNvSpPr txBox="1">
+            <a:spLocks noGrp="1"/>
+          </p:cNvSpPr>
+          <p:nvPr>
+            <p:ph type="sldNum" sz="quarter" idx="2"/>
+          </p:nvPr>
+        </p:nvSpPr>
+        <p:spPr>
+          <a:prstGeom prst="rect">
+            <a:avLst/>
+          </a:prstGeom>
+          <a:extLst>
+            <a:ext uri="{C572A759-6A51-4108-AA02-DFA0A04FC94B}">
+              <ma14:wrappingTextBoxFlag xmlns="" xmlns:m="http://schemas.openxmlformats.org/officeDocument/2006/math" xmlns:a14="http://schemas.microsoft.com/office/drawing/2010/main" xmlns:ma14="http://schemas.microsoft.com/office/mac/drawingml/2011/main" val="1"/>
+            </a:ext>
+          </a:extLst>
+        </p:spPr>
+        <p:txBody>
+          <a:bodyPr/>
+          <a:lstStyle/>
+          <a:p>
+            <a:fld id="{86CB4B4D-7CA3-9044-876B-883B54F8677D}" type="slidenum">
+              <a:t>20</a:t>
+            </a:fld>
+            <a:endParaRPr/>
+          </a:p>
+        </p:txBody>
+      </p:sp>
+      <p:sp>
+        <p:nvSpPr>
+          <p:cNvPr id="277" name="Productive Struggle…"/>
+          <p:cNvSpPr txBox="1"/>
+          <p:nvPr/>
+        </p:nvSpPr>
+        <p:spPr>
+          <a:xfrm>
+            <a:off x="170492" y="324295"/>
+            <a:ext cx="12663816" cy="9105010"/>
+          </a:xfrm>
+          <a:prstGeom prst="rect">
+            <a:avLst/>
+          </a:prstGeom>
+          <a:ln w="12700">
+            <a:miter lim="400000"/>
+          </a:ln>
+          <a:extLst>
+            <a:ext uri="{C572A759-6A51-4108-AA02-DFA0A04FC94B}">
+              <ma14:wrappingTextBoxFlag xmlns="" xmlns:m="http://schemas.openxmlformats.org/officeDocument/2006/math" xmlns:a14="http://schemas.microsoft.com/office/drawing/2010/main" xmlns:ma14="http://schemas.microsoft.com/office/mac/drawingml/2011/main" val="1"/>
+            </a:ext>
+          </a:extLst>
+        </p:spPr>
+        <p:txBody>
+          <a:bodyPr lIns="0" tIns="0" rIns="0" bIns="0" numCol="2" spcCol="633190"/>
+          <a:lstStyle/>
+          <a:p>
+            <a:pPr marL="228600" indent="-228600">
+              <a:spcBef>
+                <a:spcPts val="700"/>
+              </a:spcBef>
+              <a:defRPr sz="4100" b="1">
+                <a:latin typeface="Helvetica"/>
+                <a:ea typeface="Helvetica"/>
+                <a:cs typeface="Helvetica"/>
+                <a:sym typeface="Helvetica"/>
+              </a:defRPr>
+            </a:pPr>
+            <a:r>
+              <a:t>Productive Struggle</a:t>
+            </a:r>
+          </a:p>
+          <a:p>
+            <a:pPr marL="228600" indent="-228600">
+              <a:spcBef>
+                <a:spcPts val="700"/>
+              </a:spcBef>
+              <a:defRPr sz="4100" b="1">
+                <a:latin typeface="Helvetica"/>
+                <a:ea typeface="Helvetica"/>
+                <a:cs typeface="Helvetica"/>
+                <a:sym typeface="Helvetica"/>
+              </a:defRPr>
+            </a:pPr>
+            <a:endParaRPr/>
+          </a:p>
+          <a:p>
+            <a:pPr marL="228600" indent="-228600" algn="l">
+              <a:spcBef>
+                <a:spcPts val="700"/>
+              </a:spcBef>
+              <a:defRPr sz="4100"/>
+            </a:pPr>
+            <a:r>
+              <a:t>• Leads to understanding</a:t>
+            </a:r>
+          </a:p>
+          <a:p>
+            <a:pPr marL="228600" indent="-228600" algn="l">
+              <a:spcBef>
+                <a:spcPts val="700"/>
+              </a:spcBef>
+              <a:defRPr sz="4100"/>
+            </a:pPr>
+            <a:r>
+              <a:t>• Makes learning goals feel attainable and effort seem worthwhile</a:t>
+            </a:r>
+          </a:p>
+          <a:p>
+            <a:pPr marL="228600" indent="-228600" algn="l">
+              <a:spcBef>
+                <a:spcPts val="700"/>
+              </a:spcBef>
+              <a:defRPr sz="4100"/>
+            </a:pPr>
+            <a:r>
+              <a:t>• Yields results</a:t>
+            </a:r>
+          </a:p>
+          <a:p>
+            <a:pPr marL="228600" indent="-228600" algn="l">
+              <a:spcBef>
+                <a:spcPts val="700"/>
+              </a:spcBef>
+              <a:defRPr sz="4100"/>
+            </a:pPr>
+            <a:r>
+              <a:t>• Leads students to feelings of empowerment and efficacy</a:t>
+            </a:r>
+          </a:p>
+          <a:p>
+            <a:pPr marL="518583" indent="-518583" algn="l">
+              <a:spcBef>
+                <a:spcPts val="700"/>
+              </a:spcBef>
+              <a:buSzPct val="75000"/>
+              <a:buChar char="•"/>
+              <a:defRPr sz="4100"/>
+            </a:pPr>
+            <a:r>
+              <a:t>Creates a sense of hope</a:t>
+            </a:r>
+          </a:p>
+          <a:p>
+            <a:pPr marL="228600" indent="-228600" algn="l">
+              <a:spcBef>
+                <a:spcPts val="700"/>
+              </a:spcBef>
+              <a:defRPr sz="4100" b="1">
+                <a:latin typeface="Helvetica"/>
+                <a:ea typeface="Helvetica"/>
+                <a:cs typeface="Helvetica"/>
+                <a:sym typeface="Helvetica"/>
+              </a:defRPr>
+            </a:pPr>
+            <a:r>
+              <a:t>Destructive Struggle</a:t>
+            </a:r>
+          </a:p>
+          <a:p>
+            <a:pPr marL="228600" indent="-228600" algn="l">
+              <a:spcBef>
+                <a:spcPts val="700"/>
+              </a:spcBef>
+              <a:defRPr sz="4100" b="1">
+                <a:latin typeface="Helvetica"/>
+                <a:ea typeface="Helvetica"/>
+                <a:cs typeface="Helvetica"/>
+                <a:sym typeface="Helvetica"/>
+              </a:defRPr>
+            </a:pPr>
+            <a:endParaRPr/>
+          </a:p>
+        </p:txBody>
+      </p:sp>
+    </p:spTree>
+  </p:cSld>
+  <p:clrMapOvr>
+    <a:masterClrMapping/>
+  </p:clrMapOvr>
+  <p:transition spd="med"/>
+</p:sld>
+</file>
+
+<file path=ppt/slides/slide21.xml><?xml version="1.0" encoding="utf-8"?>
+<p:sld xmlns:a="http://schemas.openxmlformats.org/drawingml/2006/main" xmlns:r="http://schemas.openxmlformats.org/officeDocument/2006/relationships" xmlns:p="http://schemas.openxmlformats.org/presentationml/2006/main">
+  <p:cSld>
+    <p:spTree>
+      <p:nvGrpSpPr>
+        <p:cNvPr id="1" name=""/>
+        <p:cNvGrpSpPr/>
+        <p:nvPr/>
+      </p:nvGrpSpPr>
+      <p:grpSpPr>
+        <a:xfrm>
+          <a:off x="0" y="0"/>
+          <a:ext cx="0" cy="0"/>
+          <a:chOff x="0" y="0"/>
+          <a:chExt cx="0" cy="0"/>
+        </a:xfrm>
+      </p:grpSpPr>
+      <p:sp>
+        <p:nvSpPr>
+          <p:cNvPr id="279" name="Slide Number"/>
+          <p:cNvSpPr txBox="1">
+            <a:spLocks noGrp="1"/>
+          </p:cNvSpPr>
+          <p:nvPr>
+            <p:ph type="sldNum" sz="quarter" idx="2"/>
+          </p:nvPr>
+        </p:nvSpPr>
+        <p:spPr>
+          <a:prstGeom prst="rect">
+            <a:avLst/>
+          </a:prstGeom>
+          <a:extLst>
+            <a:ext uri="{C572A759-6A51-4108-AA02-DFA0A04FC94B}">
+              <ma14:wrappingTextBoxFlag xmlns="" xmlns:m="http://schemas.openxmlformats.org/officeDocument/2006/math" xmlns:a14="http://schemas.microsoft.com/office/drawing/2010/main" xmlns:ma14="http://schemas.microsoft.com/office/mac/drawingml/2011/main" val="1"/>
+            </a:ext>
+          </a:extLst>
+        </p:spPr>
+        <p:txBody>
+          <a:bodyPr/>
+          <a:lstStyle/>
+          <a:p>
+            <a:fld id="{86CB4B4D-7CA3-9044-876B-883B54F8677D}" type="slidenum">
+              <a:t>21</a:t>
+            </a:fld>
+            <a:endParaRPr/>
+          </a:p>
+        </p:txBody>
+      </p:sp>
+      <p:sp>
+        <p:nvSpPr>
+          <p:cNvPr id="280" name="Productive Struggle…"/>
+          <p:cNvSpPr txBox="1"/>
+          <p:nvPr/>
+        </p:nvSpPr>
+        <p:spPr>
+          <a:xfrm>
+            <a:off x="170492" y="324295"/>
+            <a:ext cx="12663816" cy="9105010"/>
+          </a:xfrm>
+          <a:prstGeom prst="rect">
+            <a:avLst/>
+          </a:prstGeom>
+          <a:ln w="12700">
+            <a:miter lim="400000"/>
+          </a:ln>
+          <a:extLst>
+            <a:ext uri="{C572A759-6A51-4108-AA02-DFA0A04FC94B}">
+              <ma14:wrappingTextBoxFlag xmlns="" xmlns:m="http://schemas.openxmlformats.org/officeDocument/2006/math" xmlns:a14="http://schemas.microsoft.com/office/drawing/2010/main" xmlns:ma14="http://schemas.microsoft.com/office/mac/drawingml/2011/main" val="1"/>
+            </a:ext>
+          </a:extLst>
+        </p:spPr>
+        <p:txBody>
+          <a:bodyPr lIns="0" tIns="0" rIns="0" bIns="0" numCol="2" spcCol="633190"/>
+          <a:lstStyle/>
+          <a:p>
+            <a:pPr marL="228600" indent="-228600">
+              <a:spcBef>
+                <a:spcPts val="700"/>
+              </a:spcBef>
+              <a:defRPr sz="4100" b="1">
+                <a:latin typeface="Helvetica"/>
+                <a:ea typeface="Helvetica"/>
+                <a:cs typeface="Helvetica"/>
+                <a:sym typeface="Helvetica"/>
+              </a:defRPr>
+            </a:pPr>
+            <a:r>
+              <a:t>Productive Struggle</a:t>
+            </a:r>
+          </a:p>
+          <a:p>
+            <a:pPr marL="228600" indent="-228600">
+              <a:spcBef>
+                <a:spcPts val="700"/>
+              </a:spcBef>
+              <a:defRPr sz="4100" b="1">
+                <a:latin typeface="Helvetica"/>
+                <a:ea typeface="Helvetica"/>
+                <a:cs typeface="Helvetica"/>
+                <a:sym typeface="Helvetica"/>
+              </a:defRPr>
+            </a:pPr>
+            <a:endParaRPr/>
+          </a:p>
+          <a:p>
+            <a:pPr marL="228600" indent="-228600" algn="l">
+              <a:spcBef>
+                <a:spcPts val="700"/>
+              </a:spcBef>
+              <a:defRPr sz="4100"/>
+            </a:pPr>
+            <a:r>
+              <a:t>• Leads to understanding</a:t>
+            </a:r>
+          </a:p>
+          <a:p>
+            <a:pPr marL="228600" indent="-228600" algn="l">
+              <a:spcBef>
+                <a:spcPts val="700"/>
+              </a:spcBef>
+              <a:defRPr sz="4100"/>
+            </a:pPr>
+            <a:r>
+              <a:t>• Makes learning goals feel attainable and effort seem worthwhile</a:t>
+            </a:r>
+          </a:p>
+          <a:p>
+            <a:pPr marL="228600" indent="-228600" algn="l">
+              <a:spcBef>
+                <a:spcPts val="700"/>
+              </a:spcBef>
+              <a:defRPr sz="4100"/>
+            </a:pPr>
+            <a:r>
+              <a:t>• Yields results</a:t>
+            </a:r>
+          </a:p>
+          <a:p>
+            <a:pPr marL="228600" indent="-228600" algn="l">
+              <a:spcBef>
+                <a:spcPts val="700"/>
+              </a:spcBef>
+              <a:defRPr sz="4100"/>
+            </a:pPr>
+            <a:r>
+              <a:t>• Leads students to feelings of empowerment and efficacy</a:t>
+            </a:r>
+          </a:p>
+          <a:p>
+            <a:pPr marL="518583" indent="-518583" algn="l">
+              <a:spcBef>
+                <a:spcPts val="700"/>
+              </a:spcBef>
+              <a:buSzPct val="75000"/>
+              <a:buChar char="•"/>
+              <a:defRPr sz="4100"/>
+            </a:pPr>
+            <a:r>
+              <a:t>Creates a sense of hope</a:t>
+            </a:r>
+          </a:p>
+          <a:p>
+            <a:pPr marL="228600" indent="-228600" algn="l">
+              <a:spcBef>
+                <a:spcPts val="700"/>
+              </a:spcBef>
+              <a:defRPr sz="4100" b="1">
+                <a:latin typeface="Helvetica"/>
+                <a:ea typeface="Helvetica"/>
+                <a:cs typeface="Helvetica"/>
+                <a:sym typeface="Helvetica"/>
+              </a:defRPr>
+            </a:pPr>
+            <a:r>
+              <a:t>Destructive Struggle</a:t>
+            </a:r>
+          </a:p>
+          <a:p>
+            <a:pPr marL="228600" indent="-228600" algn="l">
+              <a:spcBef>
+                <a:spcPts val="700"/>
+              </a:spcBef>
+              <a:defRPr sz="4100" b="1">
+                <a:latin typeface="Helvetica"/>
+                <a:ea typeface="Helvetica"/>
+                <a:cs typeface="Helvetica"/>
+                <a:sym typeface="Helvetica"/>
+              </a:defRPr>
+            </a:pPr>
+            <a:endParaRPr/>
+          </a:p>
+          <a:p>
+            <a:pPr marL="228600" indent="-228600" algn="l">
+              <a:spcBef>
+                <a:spcPts val="700"/>
+              </a:spcBef>
+              <a:defRPr sz="4100"/>
+            </a:pPr>
+            <a:r>
+              <a:t>• Leads to frustration</a:t>
+            </a:r>
+          </a:p>
+          <a:p>
+            <a:pPr marL="228600" indent="-228600" algn="l">
+              <a:spcBef>
+                <a:spcPts val="700"/>
+              </a:spcBef>
+              <a:defRPr sz="4100"/>
+            </a:pPr>
+            <a:r>
+              <a:t>• Makes learning goals feel hazy and out of reach</a:t>
+            </a:r>
+          </a:p>
+          <a:p>
+            <a:pPr marL="228600" indent="-228600" algn="l">
+              <a:spcBef>
+                <a:spcPts val="700"/>
+              </a:spcBef>
+              <a:defRPr sz="4100"/>
+            </a:pPr>
+            <a:r>
+              <a:t>• Feels fruitless</a:t>
+            </a:r>
+          </a:p>
+          <a:p>
+            <a:pPr marL="228600" indent="-228600" algn="l">
+              <a:spcBef>
+                <a:spcPts val="700"/>
+              </a:spcBef>
+              <a:defRPr sz="4100"/>
+            </a:pPr>
+            <a:r>
+              <a:t>• Leaves students feeling abandoned and on their own</a:t>
+            </a:r>
+          </a:p>
+          <a:p>
+            <a:pPr marL="228600" indent="-228600" algn="l">
+              <a:spcBef>
+                <a:spcPts val="700"/>
+              </a:spcBef>
+              <a:defRPr sz="4100"/>
+            </a:pPr>
+            <a:endParaRPr/>
+          </a:p>
+          <a:p>
+            <a:pPr marL="228600" indent="-228600" algn="l">
+              <a:spcBef>
+                <a:spcPts val="700"/>
+              </a:spcBef>
+              <a:defRPr sz="4100"/>
+            </a:pPr>
+            <a:r>
+              <a:t>• Creates a sense of</a:t>
+            </a:r>
+          </a:p>
+          <a:p>
+            <a:pPr marL="228600" indent="-228600" algn="l">
+              <a:spcBef>
+                <a:spcPts val="700"/>
+              </a:spcBef>
+              <a:defRPr sz="4100"/>
+            </a:pPr>
+            <a:r>
+              <a:t>	inadequacy</a:t>
+            </a:r>
+          </a:p>
+        </p:txBody>
+      </p:sp>
+    </p:spTree>
+  </p:cSld>
+  <p:clrMapOvr>
+    <a:masterClrMapping/>
+  </p:clrMapOvr>
+  <p:transition spd="med"/>
+</p:sld>
+</file>
+
+<file path=ppt/slides/slide22.xml><?xml version="1.0" encoding="utf-8"?>
+<p:sld xmlns:a="http://schemas.openxmlformats.org/drawingml/2006/main" xmlns:r="http://schemas.openxmlformats.org/officeDocument/2006/relationships" xmlns:p="http://schemas.openxmlformats.org/presentationml/2006/main">
+  <p:cSld>
+    <p:spTree>
+      <p:nvGrpSpPr>
+        <p:cNvPr id="1" name=""/>
+        <p:cNvGrpSpPr/>
+        <p:nvPr/>
+      </p:nvGrpSpPr>
+      <p:grpSpPr>
+        <a:xfrm>
+          <a:off x="0" y="0"/>
+          <a:ext cx="0" cy="0"/>
+          <a:chOff x="0" y="0"/>
+          <a:chExt cx="0" cy="0"/>
+        </a:xfrm>
+      </p:grpSpPr>
+      <p:sp>
+        <p:nvSpPr>
+          <p:cNvPr id="282" name="Slide Number"/>
+          <p:cNvSpPr txBox="1">
+            <a:spLocks noGrp="1"/>
+          </p:cNvSpPr>
+          <p:nvPr>
+            <p:ph type="sldNum" sz="quarter" idx="2"/>
+          </p:nvPr>
+        </p:nvSpPr>
+        <p:spPr>
+          <a:prstGeom prst="rect">
+            <a:avLst/>
+          </a:prstGeom>
+          <a:extLst>
+            <a:ext uri="{C572A759-6A51-4108-AA02-DFA0A04FC94B}">
+              <ma14:wrappingTextBoxFlag xmlns="" xmlns:m="http://schemas.openxmlformats.org/officeDocument/2006/math" xmlns:a14="http://schemas.microsoft.com/office/drawing/2010/main" xmlns:ma14="http://schemas.microsoft.com/office/mac/drawingml/2011/main" val="1"/>
+            </a:ext>
+          </a:extLst>
+        </p:spPr>
+        <p:txBody>
+          <a:bodyPr/>
+          <a:lstStyle/>
+          <a:p>
+            <a:fld id="{86CB4B4D-7CA3-9044-876B-883B54F8677D}" type="slidenum">
+              <a:t>22</a:t>
+            </a:fld>
+            <a:endParaRPr/>
+          </a:p>
+        </p:txBody>
+      </p:sp>
+      <p:sp>
+        <p:nvSpPr>
+          <p:cNvPr id="283" name="Productive Struggle…"/>
+          <p:cNvSpPr txBox="1"/>
+          <p:nvPr/>
+        </p:nvSpPr>
+        <p:spPr>
+          <a:xfrm>
+            <a:off x="170492" y="324295"/>
+            <a:ext cx="12663816" cy="9105010"/>
+          </a:xfrm>
+          <a:prstGeom prst="rect">
+            <a:avLst/>
+          </a:prstGeom>
+          <a:ln w="12700">
+            <a:miter lim="400000"/>
+          </a:ln>
+          <a:extLst>
+            <a:ext uri="{C572A759-6A51-4108-AA02-DFA0A04FC94B}">
+              <ma14:wrappingTextBoxFlag xmlns="" xmlns:m="http://schemas.openxmlformats.org/officeDocument/2006/math" xmlns:a14="http://schemas.microsoft.com/office/drawing/2010/main" xmlns:ma14="http://schemas.microsoft.com/office/mac/drawingml/2011/main" val="1"/>
+            </a:ext>
+          </a:extLst>
+        </p:spPr>
+        <p:txBody>
+          <a:bodyPr lIns="0" tIns="0" rIns="0" bIns="0" numCol="2" spcCol="633190"/>
+          <a:lstStyle/>
+          <a:p>
+            <a:pPr marL="228600" indent="-228600">
+              <a:spcBef>
+                <a:spcPts val="700"/>
+              </a:spcBef>
+              <a:defRPr sz="4100" b="1">
+                <a:latin typeface="Helvetica"/>
+                <a:ea typeface="Helvetica"/>
+                <a:cs typeface="Helvetica"/>
+                <a:sym typeface="Helvetica"/>
+              </a:defRPr>
+            </a:pPr>
+            <a:r>
+              <a:t>Productive Struggle</a:t>
+            </a:r>
+          </a:p>
+          <a:p>
+            <a:pPr marL="228600" indent="-228600">
+              <a:spcBef>
+                <a:spcPts val="700"/>
+              </a:spcBef>
+              <a:defRPr sz="4100" b="1">
+                <a:latin typeface="Helvetica"/>
+                <a:ea typeface="Helvetica"/>
+                <a:cs typeface="Helvetica"/>
+                <a:sym typeface="Helvetica"/>
+              </a:defRPr>
+            </a:pPr>
+            <a:endParaRPr/>
+          </a:p>
+          <a:p>
+            <a:pPr marL="228600" indent="-228600" algn="l">
+              <a:spcBef>
+                <a:spcPts val="700"/>
+              </a:spcBef>
+              <a:defRPr sz="4100"/>
+            </a:pPr>
+            <a:r>
+              <a:t>• Leads to understanding</a:t>
+            </a:r>
+          </a:p>
+          <a:p>
+            <a:pPr marL="228600" indent="-228600" algn="l">
+              <a:spcBef>
+                <a:spcPts val="700"/>
+              </a:spcBef>
+              <a:defRPr sz="4100"/>
+            </a:pPr>
+            <a:r>
+              <a:t>• Makes learning goals feel attainable and effort seem worthwhile</a:t>
+            </a:r>
+          </a:p>
+          <a:p>
+            <a:pPr marL="228600" indent="-228600" algn="l">
+              <a:spcBef>
+                <a:spcPts val="700"/>
+              </a:spcBef>
+              <a:defRPr sz="4100"/>
+            </a:pPr>
+            <a:r>
+              <a:t>• Yields results</a:t>
+            </a:r>
+          </a:p>
+          <a:p>
+            <a:pPr marL="228600" indent="-228600" algn="l">
+              <a:spcBef>
+                <a:spcPts val="700"/>
+              </a:spcBef>
+              <a:defRPr sz="4100"/>
+            </a:pPr>
+            <a:r>
+              <a:t>• Leads students to feelings of empowerment and efficacy</a:t>
+            </a:r>
+          </a:p>
+          <a:p>
+            <a:pPr marL="518583" indent="-518583" algn="l">
+              <a:spcBef>
+                <a:spcPts val="700"/>
+              </a:spcBef>
+              <a:buSzPct val="75000"/>
+              <a:buChar char="•"/>
+              <a:defRPr sz="4100"/>
+            </a:pPr>
+            <a:r>
+              <a:t>Creates a sense of hope</a:t>
+            </a:r>
+          </a:p>
+          <a:p>
+            <a:pPr marL="228600" indent="-228600" algn="l">
+              <a:spcBef>
+                <a:spcPts val="700"/>
+              </a:spcBef>
+              <a:defRPr sz="4100" b="1">
+                <a:latin typeface="Helvetica"/>
+                <a:ea typeface="Helvetica"/>
+                <a:cs typeface="Helvetica"/>
+                <a:sym typeface="Helvetica"/>
+              </a:defRPr>
+            </a:pPr>
+            <a:r>
+              <a:t>Destructive Struggle</a:t>
+            </a:r>
+          </a:p>
+          <a:p>
+            <a:pPr marL="228600" indent="-228600" algn="l">
+              <a:spcBef>
+                <a:spcPts val="700"/>
+              </a:spcBef>
+              <a:defRPr sz="4100" b="1">
+                <a:latin typeface="Helvetica"/>
+                <a:ea typeface="Helvetica"/>
+                <a:cs typeface="Helvetica"/>
+                <a:sym typeface="Helvetica"/>
+              </a:defRPr>
+            </a:pPr>
+            <a:endParaRPr/>
+          </a:p>
+          <a:p>
+            <a:pPr marL="228600" indent="-228600" algn="l">
+              <a:spcBef>
+                <a:spcPts val="700"/>
+              </a:spcBef>
+              <a:defRPr sz="4100"/>
+            </a:pPr>
+            <a:r>
+              <a:t>• Leads to frustration</a:t>
+            </a:r>
+          </a:p>
+          <a:p>
+            <a:pPr marL="228600" indent="-228600" algn="l">
+              <a:spcBef>
+                <a:spcPts val="700"/>
+              </a:spcBef>
+              <a:defRPr sz="4100"/>
+            </a:pPr>
+            <a:r>
+              <a:t>• Makes learning goals feel hazy and out of reach</a:t>
+            </a:r>
+          </a:p>
+          <a:p>
+            <a:pPr marL="228600" indent="-228600" algn="l">
+              <a:spcBef>
+                <a:spcPts val="700"/>
+              </a:spcBef>
+              <a:defRPr sz="4100"/>
+            </a:pPr>
+            <a:r>
+              <a:t>• Feels fruitless</a:t>
+            </a:r>
+          </a:p>
+          <a:p>
+            <a:pPr marL="228600" indent="-228600" algn="l">
+              <a:spcBef>
+                <a:spcPts val="700"/>
+              </a:spcBef>
+              <a:defRPr sz="4100"/>
+            </a:pPr>
+            <a:r>
+              <a:t>• Leaves students feeling abandoned and on their own</a:t>
+            </a:r>
+          </a:p>
+          <a:p>
+            <a:pPr marL="228600" indent="-228600" algn="l">
+              <a:spcBef>
+                <a:spcPts val="700"/>
+              </a:spcBef>
+              <a:defRPr sz="4100"/>
+            </a:pPr>
+            <a:endParaRPr/>
+          </a:p>
+          <a:p>
+            <a:pPr marL="228600" indent="-228600" algn="l">
+              <a:spcBef>
+                <a:spcPts val="700"/>
+              </a:spcBef>
+              <a:defRPr sz="4100"/>
+            </a:pPr>
+            <a:r>
+              <a:t>• Creates a sense of</a:t>
+            </a:r>
+          </a:p>
+          <a:p>
+            <a:pPr marL="228600" indent="-228600" algn="l">
+              <a:spcBef>
+                <a:spcPts val="700"/>
+              </a:spcBef>
+              <a:defRPr sz="4100"/>
+            </a:pPr>
+            <a:r>
+              <a:t>	inadequacy</a:t>
+            </a:r>
+          </a:p>
+        </p:txBody>
+      </p:sp>
+      <p:sp>
+        <p:nvSpPr>
+          <p:cNvPr id="284" name="Line"/>
+          <p:cNvSpPr/>
+          <p:nvPr/>
+        </p:nvSpPr>
+        <p:spPr>
+          <a:xfrm>
+            <a:off x="6788770" y="336421"/>
+            <a:ext cx="5817583" cy="9080759"/>
+          </a:xfrm>
+          <a:prstGeom prst="line">
+            <a:avLst/>
+          </a:prstGeom>
+          <a:ln w="279400">
+            <a:solidFill>
+              <a:schemeClr val="accent5"/>
+            </a:solidFill>
+            <a:miter lim="400000"/>
+          </a:ln>
+        </p:spPr>
+        <p:txBody>
+          <a:bodyPr lIns="50800" tIns="50800" rIns="50800" bIns="50800" anchor="ctr"/>
+          <a:lstStyle/>
+          <a:p>
+            <a:pPr>
+              <a:defRPr sz="2400"/>
+            </a:pPr>
+            <a:endParaRPr/>
+          </a:p>
+        </p:txBody>
+      </p:sp>
+      <p:sp>
+        <p:nvSpPr>
+          <p:cNvPr id="285" name="Line"/>
+          <p:cNvSpPr/>
+          <p:nvPr/>
+        </p:nvSpPr>
+        <p:spPr>
+          <a:xfrm flipH="1">
+            <a:off x="6984624" y="449087"/>
+            <a:ext cx="5425873" cy="8855426"/>
+          </a:xfrm>
+          <a:prstGeom prst="line">
+            <a:avLst/>
+          </a:prstGeom>
+          <a:ln w="279400">
+            <a:solidFill>
+              <a:schemeClr val="accent5"/>
+            </a:solidFill>
+            <a:miter lim="400000"/>
+          </a:ln>
+        </p:spPr>
+        <p:txBody>
+          <a:bodyPr lIns="50800" tIns="50800" rIns="50800" bIns="50800" anchor="ctr"/>
+          <a:lstStyle/>
+          <a:p>
+            <a:pPr>
+              <a:defRPr sz="2400"/>
+            </a:pPr>
+            <a:endParaRPr/>
+          </a:p>
+        </p:txBody>
+      </p:sp>
+    </p:spTree>
+  </p:cSld>
+  <p:clrMapOvr>
+    <a:masterClrMapping/>
+  </p:clrMapOvr>
+  <p:transition spd="med"/>
+</p:sld>
+</file>
+
+<file path=ppt/slides/slide23.xml><?xml version="1.0" encoding="utf-8"?>
+<p:sld xmlns:a="http://schemas.openxmlformats.org/drawingml/2006/main" xmlns:r="http://schemas.openxmlformats.org/officeDocument/2006/relationships" xmlns:p="http://schemas.openxmlformats.org/presentationml/2006/main">
+  <p:cSld>
+    <p:spTree>
+      <p:nvGrpSpPr>
+        <p:cNvPr id="1" name=""/>
+        <p:cNvGrpSpPr/>
+        <p:nvPr/>
+      </p:nvGrpSpPr>
+      <p:grpSpPr>
+        <a:xfrm>
+          <a:off x="0" y="0"/>
+          <a:ext cx="0" cy="0"/>
+          <a:chOff x="0" y="0"/>
+          <a:chExt cx="0" cy="0"/>
+        </a:xfrm>
+      </p:grpSpPr>
+      <p:sp>
+        <p:nvSpPr>
+          <p:cNvPr id="297" name="Now to begin our quantitative skills"/>
+          <p:cNvSpPr txBox="1">
+            <a:spLocks noGrp="1"/>
+          </p:cNvSpPr>
+          <p:nvPr>
+            <p:ph type="title"/>
+          </p:nvPr>
+        </p:nvSpPr>
+        <p:spPr>
+          <a:prstGeom prst="rect">
+            <a:avLst/>
+          </a:prstGeom>
+        </p:spPr>
+        <p:txBody>
+          <a:bodyPr/>
+          <a:lstStyle/>
+          <a:p>
+            <a:r>
+              <a:rPr dirty="0"/>
+              <a:t>Now to begin our </a:t>
+            </a:r>
+            <a:r>
+              <a:rPr lang="en-GB" dirty="0"/>
+              <a:t>Data Science Journey</a:t>
+            </a:r>
+            <a:endParaRPr dirty="0"/>
+          </a:p>
+        </p:txBody>
+      </p:sp>
+      <p:sp>
+        <p:nvSpPr>
+          <p:cNvPr id="2" name="Text Placeholder 1">
+            <a:extLst>
+              <a:ext uri="{FF2B5EF4-FFF2-40B4-BE49-F238E27FC236}">
+                <a16:creationId xmlns:a16="http://schemas.microsoft.com/office/drawing/2014/main" id="{6D2D030B-7C16-A440-BD57-5A9A7EC600AE}"/>
+              </a:ext>
+            </a:extLst>
+          </p:cNvPr>
+          <p:cNvSpPr>
+            <a:spLocks noGrp="1"/>
+          </p:cNvSpPr>
+          <p:nvPr>
+            <p:ph type="body" sz="quarter" idx="1"/>
+          </p:nvPr>
+        </p:nvSpPr>
+        <p:spPr/>
+        <p:txBody>
+          <a:bodyPr/>
+          <a:lstStyle/>
+          <a:p>
+            <a:r>
+              <a:rPr lang="en-US" dirty="0"/>
+              <a:t>Python and </a:t>
+            </a:r>
+            <a:r>
+              <a:rPr lang="en-US" dirty="0" err="1"/>
+              <a:t>Jupyter</a:t>
+            </a:r>
+            <a:r>
+              <a:rPr lang="en-US" dirty="0"/>
+              <a:t> Demo</a:t>
+            </a:r>
+          </a:p>
+        </p:txBody>
+      </p:sp>
+    </p:spTree>
+  </p:cSld>
+  <p:clrMapOvr>
+    <a:masterClrMapping/>
+  </p:clrMapOvr>
+  <p:transition spd="med"/>
+</p:sld>
+</file>
+
+<file path=ppt/slides/slide24.xml><?xml version="1.0" encoding="utf-8"?>
 <p:sld xmlns:a="http://schemas.openxmlformats.org/drawingml/2006/main" xmlns:r="http://schemas.openxmlformats.org/officeDocument/2006/relationships" xmlns:p="http://schemas.openxmlformats.org/presentationml/2006/main">
   <p:cSld>
     <p:spTree>
@@ -14131,7 +15284,7 @@
   <p:cSld>
     <p:spTree>
       <p:nvGrpSpPr>
-        <p:cNvPr id="1" name="Shape 167"/>
+        <p:cNvPr id="1" name=""/>
         <p:cNvGrpSpPr/>
         <p:nvPr/>
       </p:nvGrpSpPr>
@@ -14145,395 +15298,81 @@
       </p:grpSpPr>
       <p:sp>
         <p:nvSpPr>
-          <p:cNvPr id="168" name="Google Shape;168;p27"/>
-          <p:cNvSpPr txBox="1">
+          <p:cNvPr id="2" name="Title 1">
+            <a:extLst>
+              <a:ext uri="{FF2B5EF4-FFF2-40B4-BE49-F238E27FC236}">
+                <a16:creationId xmlns:a16="http://schemas.microsoft.com/office/drawing/2014/main" id="{C82CB443-7B01-2E86-3772-6671F35F6382}"/>
+              </a:ext>
+            </a:extLst>
+          </p:cNvPr>
+          <p:cNvSpPr>
             <a:spLocks noGrp="1"/>
           </p:cNvSpPr>
           <p:nvPr>
             <p:ph type="title"/>
           </p:nvPr>
         </p:nvSpPr>
-        <p:spPr>
-          <a:xfrm>
-            <a:off x="229335" y="1814021"/>
-            <a:ext cx="4659662" cy="1524602"/>
-          </a:xfrm>
-          <a:prstGeom prst="rect">
-            <a:avLst/>
-          </a:prstGeom>
-        </p:spPr>
+        <p:spPr/>
         <p:txBody>
-          <a:bodyPr spcFirstLastPara="1" wrap="square" lIns="130027" tIns="130027" rIns="130027" bIns="130027" anchor="t" anchorCtr="0">
-            <a:noAutofit/>
+          <a:bodyPr>
+            <a:normAutofit fontScale="90000"/>
           </a:bodyPr>
           <a:lstStyle/>
           <a:p>
             <a:r>
-              <a:rPr lang="en" dirty="0"/>
-              <a:t>What is</a:t>
-            </a:r>
-            <a:endParaRPr dirty="0"/>
+              <a:rPr lang="en-US" dirty="0"/>
+              <a:t>AI</a:t>
+            </a:r>
           </a:p>
         </p:txBody>
       </p:sp>
       <p:sp>
         <p:nvSpPr>
-          <p:cNvPr id="169" name="Google Shape;169;p27"/>
-          <p:cNvSpPr txBox="1">
+          <p:cNvPr id="3" name="Text Placeholder 2">
+            <a:extLst>
+              <a:ext uri="{FF2B5EF4-FFF2-40B4-BE49-F238E27FC236}">
+                <a16:creationId xmlns:a16="http://schemas.microsoft.com/office/drawing/2014/main" id="{1059DA52-861A-5849-06EC-EFA19EC82E56}"/>
+              </a:ext>
+            </a:extLst>
+          </p:cNvPr>
+          <p:cNvSpPr>
             <a:spLocks noGrp="1"/>
           </p:cNvSpPr>
           <p:nvPr>
             <p:ph type="body" idx="1"/>
           </p:nvPr>
         </p:nvSpPr>
-        <p:spPr>
-          <a:xfrm>
-            <a:off x="5750293" y="2232355"/>
-            <a:ext cx="6695680" cy="4669867"/>
-          </a:xfrm>
-          <a:prstGeom prst="rect">
-            <a:avLst/>
-          </a:prstGeom>
-        </p:spPr>
+        <p:spPr/>
         <p:txBody>
-          <a:bodyPr spcFirstLastPara="1" wrap="square" lIns="130027" tIns="130027" rIns="130027" bIns="130027" anchor="t" anchorCtr="0">
-            <a:noAutofit/>
-          </a:bodyPr>
+          <a:bodyPr/>
           <a:lstStyle/>
           <a:p>
-            <a:pPr indent="-505734">
-              <a:lnSpc>
-                <a:spcPct val="100000"/>
-              </a:lnSpc>
-              <a:spcBef>
-                <a:spcPts val="683"/>
-              </a:spcBef>
-              <a:buClr>
-                <a:schemeClr val="dk1"/>
-              </a:buClr>
-              <a:buSzPts val="2000"/>
-              <a:buFont typeface="Calibri"/>
-              <a:buChar char="●"/>
-            </a:pPr>
-            <a:r>
-              <a:rPr lang="en" sz="2844">
-                <a:solidFill>
-                  <a:schemeClr val="dk1"/>
-                </a:solidFill>
-                <a:latin typeface="Calibri"/>
-                <a:ea typeface="Calibri"/>
-                <a:cs typeface="Calibri"/>
-                <a:sym typeface="Calibri"/>
-              </a:rPr>
-              <a:t>Data science is a fundamentally interdisciplinary field.</a:t>
-            </a:r>
-            <a:endParaRPr sz="2844">
-              <a:solidFill>
-                <a:schemeClr val="dk1"/>
-              </a:solidFill>
-              <a:latin typeface="Calibri"/>
-              <a:ea typeface="Calibri"/>
-              <a:cs typeface="Calibri"/>
-              <a:sym typeface="Calibri"/>
-            </a:endParaRPr>
-          </a:p>
-          <a:p>
-            <a:pPr indent="-505734">
-              <a:lnSpc>
-                <a:spcPct val="100000"/>
-              </a:lnSpc>
-              <a:buClr>
-                <a:schemeClr val="dk1"/>
-              </a:buClr>
-              <a:buSzPts val="2000"/>
-              <a:buFont typeface="Calibri"/>
-              <a:buChar char="●"/>
-            </a:pPr>
-            <a:r>
-              <a:rPr lang="en" sz="2844">
-                <a:solidFill>
-                  <a:schemeClr val="dk1"/>
-                </a:solidFill>
-                <a:latin typeface="Calibri"/>
-                <a:ea typeface="Calibri"/>
-                <a:cs typeface="Calibri"/>
-                <a:sym typeface="Calibri"/>
-              </a:rPr>
-              <a:t>It is the application of data centric, computational, and inferential thinking to:</a:t>
-            </a:r>
-            <a:endParaRPr sz="2844">
-              <a:solidFill>
-                <a:schemeClr val="dk1"/>
-              </a:solidFill>
-              <a:latin typeface="Calibri"/>
-              <a:ea typeface="Calibri"/>
-              <a:cs typeface="Calibri"/>
-              <a:sym typeface="Calibri"/>
-            </a:endParaRPr>
-          </a:p>
-          <a:p>
-            <a:pPr lvl="1" indent="-505734">
-              <a:lnSpc>
-                <a:spcPct val="100000"/>
-              </a:lnSpc>
-              <a:spcBef>
-                <a:spcPts val="0"/>
-              </a:spcBef>
-              <a:buClr>
-                <a:schemeClr val="dk1"/>
-              </a:buClr>
-              <a:buSzPts val="2000"/>
-              <a:buFont typeface="Calibri"/>
-              <a:buChar char="○"/>
-            </a:pPr>
-            <a:r>
-              <a:rPr lang="en" sz="2844">
-                <a:solidFill>
-                  <a:schemeClr val="dk1"/>
-                </a:solidFill>
-                <a:latin typeface="Calibri"/>
-                <a:ea typeface="Calibri"/>
-                <a:cs typeface="Calibri"/>
-                <a:sym typeface="Calibri"/>
-              </a:rPr>
-              <a:t>Understand the world (science).</a:t>
-            </a:r>
-            <a:endParaRPr sz="2844">
-              <a:solidFill>
-                <a:schemeClr val="dk1"/>
-              </a:solidFill>
-              <a:latin typeface="Calibri"/>
-              <a:ea typeface="Calibri"/>
-              <a:cs typeface="Calibri"/>
-              <a:sym typeface="Calibri"/>
-            </a:endParaRPr>
-          </a:p>
-          <a:p>
-            <a:pPr lvl="1" indent="-505734">
-              <a:lnSpc>
-                <a:spcPct val="100000"/>
-              </a:lnSpc>
-              <a:spcBef>
-                <a:spcPts val="0"/>
-              </a:spcBef>
-              <a:buClr>
-                <a:schemeClr val="dk1"/>
-              </a:buClr>
-              <a:buSzPts val="2000"/>
-              <a:buFont typeface="Calibri"/>
-              <a:buChar char="○"/>
-            </a:pPr>
-            <a:r>
-              <a:rPr lang="en" sz="2844">
-                <a:solidFill>
-                  <a:schemeClr val="dk1"/>
-                </a:solidFill>
-                <a:latin typeface="Calibri"/>
-                <a:ea typeface="Calibri"/>
-                <a:cs typeface="Calibri"/>
-                <a:sym typeface="Calibri"/>
-              </a:rPr>
-              <a:t>Solve problems (engineering).</a:t>
-            </a:r>
-            <a:endParaRPr sz="2844">
-              <a:solidFill>
-                <a:schemeClr val="dk1"/>
-              </a:solidFill>
-              <a:latin typeface="Calibri"/>
-              <a:ea typeface="Calibri"/>
-              <a:cs typeface="Calibri"/>
-              <a:sym typeface="Calibri"/>
-            </a:endParaRPr>
-          </a:p>
-          <a:p>
-            <a:pPr indent="-505734">
-              <a:lnSpc>
-                <a:spcPct val="100000"/>
-              </a:lnSpc>
-              <a:spcBef>
-                <a:spcPts val="683"/>
-              </a:spcBef>
-              <a:buClr>
-                <a:schemeClr val="dk1"/>
-              </a:buClr>
-              <a:buSzPts val="2000"/>
-              <a:buFont typeface="Calibri"/>
-              <a:buChar char="●"/>
-            </a:pPr>
-            <a:r>
-              <a:rPr lang="en" sz="2844">
-                <a:solidFill>
-                  <a:schemeClr val="dk1"/>
-                </a:solidFill>
-                <a:latin typeface="Calibri"/>
-                <a:ea typeface="Calibri"/>
-                <a:cs typeface="Calibri"/>
-                <a:sym typeface="Calibri"/>
-              </a:rPr>
-              <a:t>It involves exploration, prediction, and inference.</a:t>
-            </a:r>
-            <a:endParaRPr/>
+            <a:r>
+              <a:rPr lang="en-US" dirty="0"/>
+              <a:t>Large Language Models are an exciting technology</a:t>
+            </a:r>
+          </a:p>
+          <a:p>
+            <a:r>
+              <a:rPr lang="en-US" dirty="0"/>
+              <a:t>Use of AI will be allowed during the module both for exercises and for assessments.</a:t>
+            </a:r>
+          </a:p>
+          <a:p>
+            <a:endParaRPr lang="en-US" dirty="0"/>
+          </a:p>
+          <a:p>
+            <a:r>
+              <a:rPr lang="en-US" dirty="0"/>
+              <a:t> </a:t>
+            </a:r>
           </a:p>
         </p:txBody>
       </p:sp>
-      <p:sp>
-        <p:nvSpPr>
-          <p:cNvPr id="170" name="Google Shape;170;p27"/>
-          <p:cNvSpPr txBox="1"/>
-          <p:nvPr/>
-        </p:nvSpPr>
-        <p:spPr>
-          <a:xfrm>
-            <a:off x="8910336" y="9050158"/>
-            <a:ext cx="3881813" cy="441173"/>
-          </a:xfrm>
-          <a:prstGeom prst="rect">
-            <a:avLst/>
-          </a:prstGeom>
-          <a:noFill/>
-          <a:ln>
-            <a:noFill/>
-          </a:ln>
-        </p:spPr>
-        <p:txBody>
-          <a:bodyPr spcFirstLastPara="1" wrap="square" lIns="130027" tIns="130027" rIns="130027" bIns="130027" anchor="t" anchorCtr="0">
-            <a:noAutofit/>
-          </a:bodyPr>
-          <a:lstStyle/>
-          <a:p>
-            <a:pPr algn="l" defTabSz="1300460" hangingPunct="1">
-              <a:buClr>
-                <a:srgbClr val="000000"/>
-              </a:buClr>
-            </a:pPr>
-            <a:r>
-              <a:rPr lang="en" sz="1849" i="1" dirty="0">
-                <a:latin typeface="Arial"/>
-                <a:cs typeface="Arial"/>
-                <a:sym typeface="Arial"/>
-              </a:rPr>
-              <a:t>Source: Data 100 </a:t>
-            </a:r>
-            <a:r>
-              <a:rPr lang="en" sz="1849" i="1" dirty="0" err="1">
-                <a:latin typeface="Arial"/>
-                <a:cs typeface="Arial"/>
-                <a:sym typeface="Arial"/>
-              </a:rPr>
-              <a:t>Fal</a:t>
-            </a:r>
-            <a:r>
-              <a:rPr lang="en" sz="1849" i="1" dirty="0">
-                <a:latin typeface="Arial"/>
-                <a:cs typeface="Arial"/>
-                <a:sym typeface="Arial"/>
-              </a:rPr>
-              <a:t> 2019 Slides</a:t>
-            </a:r>
-            <a:endParaRPr sz="1849" i="1" dirty="0">
-              <a:latin typeface="Arial"/>
-              <a:cs typeface="Arial"/>
-              <a:sym typeface="Arial"/>
-            </a:endParaRPr>
-          </a:p>
-        </p:txBody>
-      </p:sp>
-      <p:pic>
-        <p:nvPicPr>
-          <p:cNvPr id="171" name="Google Shape;171;p27"/>
-          <p:cNvPicPr preferRelativeResize="0"/>
-          <p:nvPr/>
-        </p:nvPicPr>
-        <p:blipFill>
-          <a:blip r:embed="rId3">
-            <a:alphaModFix/>
-          </a:blip>
-          <a:stretch>
-            <a:fillRect/>
-          </a:stretch>
-        </p:blipFill>
-        <p:spPr>
-          <a:xfrm>
-            <a:off x="1287004" y="3045227"/>
-            <a:ext cx="3251200" cy="3251200"/>
-          </a:xfrm>
-          <a:prstGeom prst="rect">
-            <a:avLst/>
-          </a:prstGeom>
-          <a:noFill/>
-          <a:ln>
-            <a:noFill/>
-          </a:ln>
-        </p:spPr>
-      </p:pic>
-      <p:sp>
-        <p:nvSpPr>
-          <p:cNvPr id="172" name="Google Shape;172;p27"/>
-          <p:cNvSpPr txBox="1"/>
-          <p:nvPr/>
-        </p:nvSpPr>
-        <p:spPr>
-          <a:xfrm>
-            <a:off x="7139058" y="5105778"/>
-            <a:ext cx="6763520" cy="788907"/>
-          </a:xfrm>
-          <a:prstGeom prst="rect">
-            <a:avLst/>
-          </a:prstGeom>
-          <a:noFill/>
-          <a:ln>
-            <a:noFill/>
-          </a:ln>
-        </p:spPr>
-        <p:txBody>
-          <a:bodyPr spcFirstLastPara="1" wrap="square" lIns="130027" tIns="130027" rIns="130027" bIns="130027" anchor="t" anchorCtr="0">
-            <a:noAutofit/>
-          </a:bodyPr>
-          <a:lstStyle/>
-          <a:p>
-            <a:pPr algn="l" defTabSz="1300460" hangingPunct="1">
-              <a:buClr>
-                <a:srgbClr val="000000"/>
-              </a:buClr>
-            </a:pPr>
-            <a:endParaRPr sz="1991">
-              <a:latin typeface="Arial"/>
-              <a:cs typeface="Arial"/>
-              <a:sym typeface="Arial"/>
-            </a:endParaRPr>
-          </a:p>
-        </p:txBody>
-      </p:sp>
-      <p:cxnSp>
-        <p:nvCxnSpPr>
-          <p:cNvPr id="173" name="Google Shape;173;p27"/>
-          <p:cNvCxnSpPr/>
-          <p:nvPr/>
-        </p:nvCxnSpPr>
-        <p:spPr>
-          <a:xfrm>
-            <a:off x="5041031" y="1617067"/>
-            <a:ext cx="101120" cy="6519467"/>
-          </a:xfrm>
-          <a:prstGeom prst="straightConnector1">
-            <a:avLst/>
-          </a:prstGeom>
-          <a:noFill/>
-          <a:ln w="9525" cap="flat" cmpd="sng">
-            <a:solidFill>
-              <a:schemeClr val="dk2"/>
-            </a:solidFill>
-            <a:prstDash val="solid"/>
-            <a:round/>
-            <a:headEnd type="none" w="med" len="med"/>
-            <a:tailEnd type="none" w="med" len="med"/>
-          </a:ln>
-        </p:spPr>
-      </p:cxnSp>
     </p:spTree>
     <p:extLst>
       <p:ext uri="{BB962C8B-B14F-4D97-AF65-F5344CB8AC3E}">
-        <p14:creationId xmlns:p14="http://schemas.microsoft.com/office/powerpoint/2010/main" val="3459082131"/>
+        <p14:creationId xmlns:p14="http://schemas.microsoft.com/office/powerpoint/2010/main" val="1765915831"/>
       </p:ext>
     </p:extLst>
   </p:cSld>
@@ -14549,7 +15388,7 @@
   <p:cSld>
     <p:spTree>
       <p:nvGrpSpPr>
-        <p:cNvPr id="1" name="Shape 177"/>
+        <p:cNvPr id="1" name=""/>
         <p:cNvGrpSpPr/>
         <p:nvPr/>
       </p:nvGrpSpPr>
@@ -14563,126 +15402,81 @@
       </p:grpSpPr>
       <p:sp>
         <p:nvSpPr>
-          <p:cNvPr id="178" name="Google Shape;178;p28"/>
-          <p:cNvSpPr txBox="1">
+          <p:cNvPr id="2" name="Title 1">
+            <a:extLst>
+              <a:ext uri="{FF2B5EF4-FFF2-40B4-BE49-F238E27FC236}">
+                <a16:creationId xmlns:a16="http://schemas.microsoft.com/office/drawing/2014/main" id="{42584694-A785-789F-DFD5-980E87A09A7A}"/>
+              </a:ext>
+            </a:extLst>
+          </p:cNvPr>
+          <p:cNvSpPr>
             <a:spLocks noGrp="1"/>
           </p:cNvSpPr>
           <p:nvPr>
             <p:ph type="title"/>
           </p:nvPr>
         </p:nvSpPr>
-        <p:spPr>
-          <a:xfrm>
-            <a:off x="443304" y="604053"/>
-            <a:ext cx="12118187" cy="814507"/>
-          </a:xfrm>
-          <a:prstGeom prst="rect">
-            <a:avLst/>
-          </a:prstGeom>
-        </p:spPr>
+        <p:spPr/>
         <p:txBody>
-          <a:bodyPr spcFirstLastPara="1" wrap="square" lIns="130027" tIns="130027" rIns="130027" bIns="130027" anchor="t" anchorCtr="0">
-            <a:noAutofit/>
+          <a:bodyPr>
+            <a:normAutofit fontScale="90000"/>
           </a:bodyPr>
           <a:lstStyle/>
           <a:p>
             <a:r>
-              <a:rPr lang="en" sz="6000" dirty="0"/>
-              <a:t>Drew Conway’s Data Science Venn Diagram</a:t>
-            </a:r>
-            <a:endParaRPr sz="6000" dirty="0"/>
+              <a:rPr lang="en-US" dirty="0"/>
+              <a:t>AI Warning</a:t>
+            </a:r>
           </a:p>
         </p:txBody>
       </p:sp>
       <p:sp>
         <p:nvSpPr>
-          <p:cNvPr id="179" name="Google Shape;179;p28"/>
-          <p:cNvSpPr txBox="1"/>
-          <p:nvPr/>
+          <p:cNvPr id="3" name="Text Placeholder 2">
+            <a:extLst>
+              <a:ext uri="{FF2B5EF4-FFF2-40B4-BE49-F238E27FC236}">
+                <a16:creationId xmlns:a16="http://schemas.microsoft.com/office/drawing/2014/main" id="{90566DBC-B281-280C-89F1-0BF05BB87986}"/>
+              </a:ext>
+            </a:extLst>
+          </p:cNvPr>
+          <p:cNvSpPr>
+            <a:spLocks noGrp="1"/>
+          </p:cNvSpPr>
+          <p:nvPr>
+            <p:ph type="body" idx="1"/>
+          </p:nvPr>
         </p:nvSpPr>
-        <p:spPr>
-          <a:xfrm>
-            <a:off x="443307" y="8388920"/>
-            <a:ext cx="11552000" cy="307627"/>
-          </a:xfrm>
-          <a:prstGeom prst="rect">
-            <a:avLst/>
-          </a:prstGeom>
-          <a:noFill/>
-          <a:ln>
-            <a:noFill/>
-          </a:ln>
-        </p:spPr>
+        <p:spPr/>
         <p:txBody>
-          <a:bodyPr spcFirstLastPara="1" wrap="square" lIns="130027" tIns="130027" rIns="130027" bIns="130027" anchor="t" anchorCtr="0">
-            <a:noAutofit/>
-          </a:bodyPr>
+          <a:bodyPr/>
           <a:lstStyle/>
           <a:p>
-            <a:pPr defTabSz="1300460" hangingPunct="1">
-              <a:buClr>
-                <a:srgbClr val="000000"/>
-              </a:buClr>
-            </a:pPr>
-            <a:r>
-              <a:rPr lang="en" sz="1707">
-                <a:latin typeface="Arial"/>
-                <a:cs typeface="Arial"/>
-                <a:sym typeface="Arial"/>
-              </a:rPr>
-              <a:t>source: </a:t>
-            </a:r>
-            <a:r>
-              <a:rPr lang="en" sz="1280" u="sng">
-                <a:solidFill>
-                  <a:srgbClr val="0097A7"/>
-                </a:solidFill>
-                <a:latin typeface="Arial"/>
-                <a:cs typeface="Arial"/>
-                <a:sym typeface="Arial"/>
-                <a:hlinkClick r:id="rId3"/>
-              </a:rPr>
-              <a:t>http://drewconway.com/zia/2013/3/26/the-data-science-venn-diagram</a:t>
-            </a:r>
-            <a:endParaRPr sz="1707">
-              <a:latin typeface="Arial"/>
-              <a:cs typeface="Arial"/>
-              <a:sym typeface="Arial"/>
-            </a:endParaRPr>
+            <a:r>
+              <a:rPr lang="en-US" dirty="0"/>
+              <a:t>Large Language Models are designed to convince you not to be correct.  They do get some things right and some things wrong.  But it almost always looks convincing. </a:t>
+            </a:r>
+          </a:p>
+          <a:p>
+            <a:r>
+              <a:rPr lang="en-US" dirty="0"/>
+              <a:t>Be skeptical (good advice for everything in data science actually). </a:t>
+            </a:r>
+          </a:p>
+          <a:p>
+            <a:r>
+              <a:rPr lang="en-US" dirty="0"/>
+              <a:t>AI does not correctly perform all tasks in this module (I’ve checked). At least not yet. </a:t>
+            </a:r>
+          </a:p>
+          <a:p>
+            <a:endParaRPr lang="en-US" dirty="0"/>
           </a:p>
         </p:txBody>
       </p:sp>
-      <p:pic>
-        <p:nvPicPr>
-          <p:cNvPr id="180" name="Google Shape;180;p28"/>
-          <p:cNvPicPr preferRelativeResize="0"/>
-          <p:nvPr/>
-        </p:nvPicPr>
-        <p:blipFill rotWithShape="1">
-          <a:blip r:embed="rId4">
-            <a:alphaModFix/>
-          </a:blip>
-          <a:srcRect t="2562"/>
-          <a:stretch/>
-        </p:blipFill>
-        <p:spPr>
-          <a:xfrm>
-            <a:off x="3766597" y="3092601"/>
-            <a:ext cx="5471603" cy="5231856"/>
-          </a:xfrm>
-          <a:prstGeom prst="rect">
-            <a:avLst/>
-          </a:prstGeom>
-          <a:noFill/>
-          <a:ln>
-            <a:noFill/>
-          </a:ln>
-        </p:spPr>
-      </p:pic>
     </p:spTree>
     <p:extLst>
       <p:ext uri="{BB962C8B-B14F-4D97-AF65-F5344CB8AC3E}">
-        <p14:creationId xmlns:p14="http://schemas.microsoft.com/office/powerpoint/2010/main" val="631860897"/>
+        <p14:creationId xmlns:p14="http://schemas.microsoft.com/office/powerpoint/2010/main" val="1271211549"/>
       </p:ext>
     </p:extLst>
   </p:cSld>
@@ -14698,7 +15492,7 @@
   <p:cSld>
     <p:spTree>
       <p:nvGrpSpPr>
-        <p:cNvPr id="1" name="Shape 67"/>
+        <p:cNvPr id="1" name=""/>
         <p:cNvGrpSpPr/>
         <p:nvPr/>
       </p:nvGrpSpPr>
@@ -14712,428 +15506,85 @@
       </p:grpSpPr>
       <p:sp>
         <p:nvSpPr>
-          <p:cNvPr id="68" name="Google Shape;68;p15"/>
-          <p:cNvSpPr txBox="1">
+          <p:cNvPr id="2" name="Title 1">
+            <a:extLst>
+              <a:ext uri="{FF2B5EF4-FFF2-40B4-BE49-F238E27FC236}">
+                <a16:creationId xmlns:a16="http://schemas.microsoft.com/office/drawing/2014/main" id="{6EA299F5-7C01-CBCC-DD0C-24B044D76DD2}"/>
+              </a:ext>
+            </a:extLst>
+          </p:cNvPr>
+          <p:cNvSpPr>
             <a:spLocks noGrp="1"/>
           </p:cNvSpPr>
           <p:nvPr>
             <p:ph type="title"/>
           </p:nvPr>
         </p:nvSpPr>
-        <p:spPr>
-          <a:xfrm>
-            <a:off x="443307" y="1852124"/>
-            <a:ext cx="12118187" cy="814507"/>
-          </a:xfrm>
-          <a:prstGeom prst="rect">
-            <a:avLst/>
-          </a:prstGeom>
-        </p:spPr>
+        <p:spPr/>
         <p:txBody>
-          <a:bodyPr spcFirstLastPara="1" wrap="square" lIns="130027" tIns="130027" rIns="130027" bIns="130027" anchor="t" anchorCtr="0">
-            <a:noAutofit/>
+          <a:bodyPr>
+            <a:normAutofit fontScale="90000"/>
           </a:bodyPr>
           <a:lstStyle/>
           <a:p>
             <a:r>
-              <a:rPr lang="en"/>
-              <a:t>Doing Data Science &amp; Course flow</a:t>
-            </a:r>
-            <a:endParaRPr/>
-          </a:p>
-        </p:txBody>
-      </p:sp>
-      <p:pic>
-        <p:nvPicPr>
-          <p:cNvPr id="69" name="Google Shape;69;p15"/>
-          <p:cNvPicPr preferRelativeResize="0"/>
-          <p:nvPr/>
-        </p:nvPicPr>
-        <p:blipFill rotWithShape="1">
-          <a:blip r:embed="rId3">
-            <a:alphaModFix/>
-          </a:blip>
-          <a:srcRect l="8556" t="14205" r="8614" b="56352"/>
-          <a:stretch/>
-        </p:blipFill>
-        <p:spPr>
-          <a:xfrm>
-            <a:off x="432943" y="2730880"/>
-            <a:ext cx="12138914" cy="2263467"/>
-          </a:xfrm>
-          <a:prstGeom prst="rect">
-            <a:avLst/>
-          </a:prstGeom>
-          <a:noFill/>
-          <a:ln>
-            <a:noFill/>
-          </a:ln>
-        </p:spPr>
-      </p:pic>
-      <p:sp>
-        <p:nvSpPr>
-          <p:cNvPr id="70" name="Google Shape;70;p15"/>
-          <p:cNvSpPr txBox="1"/>
-          <p:nvPr/>
-        </p:nvSpPr>
-        <p:spPr>
-          <a:xfrm>
-            <a:off x="650240" y="5035058"/>
-            <a:ext cx="2337280" cy="1077333"/>
-          </a:xfrm>
-          <a:prstGeom prst="rect">
-            <a:avLst/>
-          </a:prstGeom>
-          <a:noFill/>
-          <a:ln>
-            <a:noFill/>
-          </a:ln>
-        </p:spPr>
-        <p:txBody>
-          <a:bodyPr spcFirstLastPara="1" wrap="square" lIns="130027" tIns="130027" rIns="130027" bIns="130027" anchor="t" anchorCtr="0">
-            <a:noAutofit/>
-          </a:bodyPr>
-          <a:lstStyle/>
-          <a:p>
-            <a:pPr defTabSz="1300460" hangingPunct="1">
-              <a:spcBef>
-                <a:spcPts val="683"/>
-              </a:spcBef>
-              <a:buClr>
-                <a:srgbClr val="000000"/>
-              </a:buClr>
-            </a:pPr>
-            <a:r>
-              <a:rPr lang="en" sz="2276">
-                <a:latin typeface="Arial"/>
-                <a:cs typeface="Arial"/>
-                <a:sym typeface="Arial"/>
-              </a:rPr>
-              <a:t>Data Sources </a:t>
-            </a:r>
-            <a:endParaRPr sz="853">
-              <a:latin typeface="Arial"/>
-              <a:cs typeface="Arial"/>
-              <a:sym typeface="Arial"/>
-            </a:endParaRPr>
+              <a:rPr lang="en-US" dirty="0"/>
+              <a:t>AI Requirements</a:t>
+            </a:r>
           </a:p>
         </p:txBody>
       </p:sp>
       <p:sp>
         <p:nvSpPr>
-          <p:cNvPr id="71" name="Google Shape;71;p15"/>
-          <p:cNvSpPr txBox="1"/>
-          <p:nvPr/>
+          <p:cNvPr id="3" name="Text Placeholder 2">
+            <a:extLst>
+              <a:ext uri="{FF2B5EF4-FFF2-40B4-BE49-F238E27FC236}">
+                <a16:creationId xmlns:a16="http://schemas.microsoft.com/office/drawing/2014/main" id="{7C085693-8E11-5A04-7ECE-1254A50FFB7C}"/>
+              </a:ext>
+            </a:extLst>
+          </p:cNvPr>
+          <p:cNvSpPr>
+            <a:spLocks noGrp="1"/>
+          </p:cNvSpPr>
+          <p:nvPr>
+            <p:ph type="body" idx="1"/>
+          </p:nvPr>
         </p:nvSpPr>
-        <p:spPr>
-          <a:xfrm>
-            <a:off x="3095893" y="5035058"/>
-            <a:ext cx="2196480" cy="1077333"/>
-          </a:xfrm>
-          <a:prstGeom prst="rect">
-            <a:avLst/>
-          </a:prstGeom>
-          <a:noFill/>
-          <a:ln>
-            <a:noFill/>
-          </a:ln>
-        </p:spPr>
+        <p:spPr/>
         <p:txBody>
-          <a:bodyPr spcFirstLastPara="1" wrap="square" lIns="130027" tIns="130027" rIns="130027" bIns="130027" anchor="t" anchorCtr="0">
-            <a:noAutofit/>
-          </a:bodyPr>
+          <a:bodyPr/>
           <a:lstStyle/>
           <a:p>
-            <a:pPr defTabSz="1300460" hangingPunct="1">
-              <a:spcBef>
-                <a:spcPts val="683"/>
-              </a:spcBef>
-              <a:buClr>
-                <a:srgbClr val="000000"/>
-              </a:buClr>
-            </a:pPr>
-            <a:r>
-              <a:rPr lang="en" sz="2276">
-                <a:latin typeface="Arial"/>
-                <a:cs typeface="Arial"/>
-                <a:sym typeface="Arial"/>
-              </a:rPr>
-              <a:t>Data Cleaning and pandas  </a:t>
-            </a:r>
-            <a:endParaRPr sz="853">
-              <a:latin typeface="Arial"/>
-              <a:cs typeface="Arial"/>
-              <a:sym typeface="Arial"/>
-            </a:endParaRPr>
-          </a:p>
-        </p:txBody>
-      </p:sp>
-      <p:sp>
-        <p:nvSpPr>
-          <p:cNvPr id="72" name="Google Shape;72;p15"/>
-          <p:cNvSpPr txBox="1"/>
-          <p:nvPr/>
-        </p:nvSpPr>
-        <p:spPr>
-          <a:xfrm>
-            <a:off x="5333760" y="5035058"/>
-            <a:ext cx="2337280" cy="2619307"/>
-          </a:xfrm>
-          <a:prstGeom prst="rect">
-            <a:avLst/>
-          </a:prstGeom>
-          <a:noFill/>
-          <a:ln>
-            <a:noFill/>
-          </a:ln>
-        </p:spPr>
-        <p:txBody>
-          <a:bodyPr spcFirstLastPara="1" wrap="square" lIns="130027" tIns="130027" rIns="130027" bIns="130027" anchor="t" anchorCtr="0">
-            <a:noAutofit/>
-          </a:bodyPr>
-          <a:lstStyle/>
-          <a:p>
-            <a:pPr defTabSz="1300460" hangingPunct="1">
-              <a:spcBef>
-                <a:spcPts val="683"/>
-              </a:spcBef>
-              <a:buClr>
-                <a:srgbClr val="000000"/>
-              </a:buClr>
-            </a:pPr>
-            <a:r>
-              <a:rPr lang="en" sz="2276">
-                <a:latin typeface="Arial"/>
-                <a:cs typeface="Arial"/>
-                <a:sym typeface="Arial"/>
-              </a:rPr>
-              <a:t>Visualization and Exploration</a:t>
-            </a:r>
-            <a:endParaRPr sz="2276">
-              <a:latin typeface="Arial"/>
-              <a:cs typeface="Arial"/>
-              <a:sym typeface="Arial"/>
-            </a:endParaRPr>
-          </a:p>
-          <a:p>
-            <a:pPr defTabSz="1300460" hangingPunct="1">
-              <a:spcBef>
-                <a:spcPts val="683"/>
-              </a:spcBef>
-              <a:buClr>
-                <a:srgbClr val="000000"/>
-              </a:buClr>
-            </a:pPr>
-            <a:endParaRPr sz="853">
-              <a:latin typeface="Arial"/>
-              <a:cs typeface="Arial"/>
-              <a:sym typeface="Arial"/>
-            </a:endParaRPr>
-          </a:p>
-        </p:txBody>
-      </p:sp>
-      <p:sp>
-        <p:nvSpPr>
-          <p:cNvPr id="73" name="Google Shape;73;p15"/>
-          <p:cNvSpPr txBox="1"/>
-          <p:nvPr/>
-        </p:nvSpPr>
-        <p:spPr>
-          <a:xfrm>
-            <a:off x="7712427" y="5035058"/>
-            <a:ext cx="2337280" cy="2417493"/>
-          </a:xfrm>
-          <a:prstGeom prst="rect">
-            <a:avLst/>
-          </a:prstGeom>
-          <a:noFill/>
-          <a:ln>
-            <a:noFill/>
-          </a:ln>
-        </p:spPr>
-        <p:txBody>
-          <a:bodyPr spcFirstLastPara="1" wrap="square" lIns="130027" tIns="130027" rIns="130027" bIns="130027" anchor="t" anchorCtr="0">
-            <a:noAutofit/>
-          </a:bodyPr>
-          <a:lstStyle/>
-          <a:p>
-            <a:pPr defTabSz="1300460" hangingPunct="1">
-              <a:spcBef>
-                <a:spcPts val="683"/>
-              </a:spcBef>
-              <a:buClr>
-                <a:srgbClr val="000000"/>
-              </a:buClr>
-            </a:pPr>
-            <a:r>
-              <a:rPr lang="en" sz="2276">
-                <a:latin typeface="Arial"/>
-                <a:cs typeface="Arial"/>
-                <a:sym typeface="Arial"/>
-              </a:rPr>
-              <a:t>Formatting your research question and</a:t>
-            </a:r>
-            <a:endParaRPr sz="2276">
-              <a:latin typeface="Arial"/>
-              <a:cs typeface="Arial"/>
-              <a:sym typeface="Arial"/>
-            </a:endParaRPr>
-          </a:p>
-          <a:p>
-            <a:pPr defTabSz="1300460" hangingPunct="1">
-              <a:spcBef>
-                <a:spcPts val="683"/>
-              </a:spcBef>
-              <a:buClr>
-                <a:srgbClr val="000000"/>
-              </a:buClr>
-            </a:pPr>
-            <a:r>
-              <a:rPr lang="en" sz="2276">
-                <a:latin typeface="Arial"/>
-                <a:cs typeface="Arial"/>
-                <a:sym typeface="Arial"/>
-              </a:rPr>
-              <a:t>Multiple Linear Regression </a:t>
-            </a:r>
-            <a:endParaRPr sz="2276">
-              <a:latin typeface="Arial"/>
-              <a:cs typeface="Arial"/>
-              <a:sym typeface="Arial"/>
-            </a:endParaRPr>
-          </a:p>
-          <a:p>
-            <a:pPr defTabSz="1300460" hangingPunct="1">
-              <a:spcBef>
-                <a:spcPts val="683"/>
-              </a:spcBef>
-              <a:buClr>
-                <a:srgbClr val="000000"/>
-              </a:buClr>
-            </a:pPr>
-            <a:endParaRPr sz="2276">
-              <a:latin typeface="Arial"/>
-              <a:cs typeface="Arial"/>
-              <a:sym typeface="Arial"/>
-            </a:endParaRPr>
-          </a:p>
-        </p:txBody>
-      </p:sp>
-      <p:sp>
-        <p:nvSpPr>
-          <p:cNvPr id="74" name="Google Shape;74;p15"/>
-          <p:cNvSpPr txBox="1"/>
-          <p:nvPr/>
-        </p:nvSpPr>
-        <p:spPr>
-          <a:xfrm>
-            <a:off x="9988267" y="5035058"/>
-            <a:ext cx="2337280" cy="2527573"/>
-          </a:xfrm>
-          <a:prstGeom prst="rect">
-            <a:avLst/>
-          </a:prstGeom>
-          <a:noFill/>
-          <a:ln>
-            <a:noFill/>
-          </a:ln>
-        </p:spPr>
-        <p:txBody>
-          <a:bodyPr spcFirstLastPara="1" wrap="square" lIns="130027" tIns="130027" rIns="130027" bIns="130027" anchor="t" anchorCtr="0">
-            <a:noAutofit/>
-          </a:bodyPr>
-          <a:lstStyle/>
-          <a:p>
-            <a:pPr defTabSz="1300460" hangingPunct="1">
-              <a:spcBef>
-                <a:spcPts val="683"/>
-              </a:spcBef>
-              <a:buClr>
-                <a:srgbClr val="000000"/>
-              </a:buClr>
-            </a:pPr>
-            <a:r>
-              <a:rPr lang="en" sz="2276">
-                <a:latin typeface="Arial"/>
-                <a:cs typeface="Arial"/>
-                <a:sym typeface="Arial"/>
-              </a:rPr>
-              <a:t>Interpretation of your Model Results, Ethics</a:t>
-            </a:r>
-            <a:endParaRPr sz="2276">
-              <a:latin typeface="Arial"/>
-              <a:cs typeface="Arial"/>
-              <a:sym typeface="Arial"/>
-            </a:endParaRPr>
-          </a:p>
-          <a:p>
-            <a:pPr defTabSz="1300460" hangingPunct="1">
-              <a:spcBef>
-                <a:spcPts val="683"/>
-              </a:spcBef>
-              <a:buClr>
-                <a:srgbClr val="000000"/>
-              </a:buClr>
-            </a:pPr>
-            <a:endParaRPr sz="2276">
-              <a:latin typeface="Arial"/>
-              <a:cs typeface="Arial"/>
-              <a:sym typeface="Arial"/>
-            </a:endParaRPr>
-          </a:p>
-        </p:txBody>
-      </p:sp>
-      <p:sp>
-        <p:nvSpPr>
-          <p:cNvPr id="75" name="Google Shape;75;p15"/>
-          <p:cNvSpPr txBox="1"/>
-          <p:nvPr/>
-        </p:nvSpPr>
-        <p:spPr>
-          <a:xfrm>
-            <a:off x="7501084" y="7962275"/>
-            <a:ext cx="5165227" cy="595627"/>
-          </a:xfrm>
-          <a:prstGeom prst="rect">
-            <a:avLst/>
-          </a:prstGeom>
-          <a:noFill/>
-          <a:ln>
-            <a:noFill/>
-          </a:ln>
-        </p:spPr>
-        <p:txBody>
-          <a:bodyPr spcFirstLastPara="1" wrap="square" lIns="130027" tIns="130027" rIns="130027" bIns="130027" anchor="t" anchorCtr="0">
-            <a:noAutofit/>
-          </a:bodyPr>
-          <a:lstStyle/>
-          <a:p>
-            <a:pPr algn="l" defTabSz="1300460" hangingPunct="1">
-              <a:buClr>
-                <a:srgbClr val="000000"/>
-              </a:buClr>
-            </a:pPr>
-            <a:r>
-              <a:rPr lang="en" sz="1707" i="1">
-                <a:latin typeface="Arial"/>
-                <a:cs typeface="Arial"/>
-                <a:sym typeface="Arial"/>
-              </a:rPr>
-              <a:t>Graphic Source: Hilary Mason and Chris Wiggins</a:t>
-            </a:r>
-            <a:endParaRPr sz="1707" i="1">
-              <a:latin typeface="Arial"/>
-              <a:cs typeface="Arial"/>
-              <a:sym typeface="Arial"/>
-            </a:endParaRPr>
+            <a:r>
+              <a:rPr lang="en-US" dirty="0"/>
+              <a:t>If you do utilize AI you must disclose its use and describe how you use it.  </a:t>
+            </a:r>
+          </a:p>
+          <a:p>
+            <a:r>
+              <a:rPr lang="en-US" dirty="0"/>
+              <a:t>You also must not blindly trust its outputs and provide explicit tests/checks you did to verify. </a:t>
+            </a:r>
+          </a:p>
+          <a:p>
+            <a:r>
+              <a:rPr lang="en-US" dirty="0"/>
+              <a:t>You are ultimately responsible for everything you submit.</a:t>
+            </a:r>
           </a:p>
         </p:txBody>
       </p:sp>
     </p:spTree>
+    <p:extLst>
+      <p:ext uri="{BB962C8B-B14F-4D97-AF65-F5344CB8AC3E}">
+        <p14:creationId xmlns:p14="http://schemas.microsoft.com/office/powerpoint/2010/main" val="1026909741"/>
+      </p:ext>
+    </p:extLst>
   </p:cSld>
   <p:clrMapOvr>
     <a:masterClrMapping/>
   </p:clrMapOvr>
+  <p:transition spd="med"/>
 </p:sld>
 </file>
 
@@ -15142,7 +15593,7 @@
   <p:cSld>
     <p:spTree>
       <p:nvGrpSpPr>
-        <p:cNvPr id="1" name="Shape 79"/>
+        <p:cNvPr id="1" name=""/>
         <p:cNvGrpSpPr/>
         <p:nvPr/>
       </p:nvGrpSpPr>
@@ -15156,116 +15607,88 @@
       </p:grpSpPr>
       <p:sp>
         <p:nvSpPr>
-          <p:cNvPr id="80" name="Google Shape;80;p16"/>
-          <p:cNvSpPr txBox="1">
+          <p:cNvPr id="2" name="Title 1">
+            <a:extLst>
+              <a:ext uri="{FF2B5EF4-FFF2-40B4-BE49-F238E27FC236}">
+                <a16:creationId xmlns:a16="http://schemas.microsoft.com/office/drawing/2014/main" id="{C82CB443-7B01-2E86-3772-6671F35F6382}"/>
+              </a:ext>
+            </a:extLst>
+          </p:cNvPr>
+          <p:cNvSpPr>
             <a:spLocks noGrp="1"/>
           </p:cNvSpPr>
           <p:nvPr>
             <p:ph type="title"/>
           </p:nvPr>
         </p:nvSpPr>
-        <p:spPr>
-          <a:xfrm>
-            <a:off x="443307" y="1852124"/>
-            <a:ext cx="12118187" cy="814507"/>
-          </a:xfrm>
-          <a:prstGeom prst="rect">
-            <a:avLst/>
-          </a:prstGeom>
-        </p:spPr>
+        <p:spPr/>
         <p:txBody>
-          <a:bodyPr spcFirstLastPara="1" wrap="square" lIns="130027" tIns="130027" rIns="130027" bIns="130027" anchor="t" anchorCtr="0">
-            <a:noAutofit/>
+          <a:bodyPr>
+            <a:normAutofit fontScale="90000"/>
           </a:bodyPr>
           <a:lstStyle/>
           <a:p>
             <a:r>
-              <a:rPr lang="en"/>
-              <a:t>Data Science Lifecycle</a:t>
-            </a:r>
-            <a:endParaRPr/>
+              <a:rPr lang="en-US" dirty="0"/>
+              <a:t>AI</a:t>
+            </a:r>
           </a:p>
         </p:txBody>
       </p:sp>
-      <p:pic>
-        <p:nvPicPr>
-          <p:cNvPr id="81" name="Google Shape;81;p16"/>
-          <p:cNvPicPr preferRelativeResize="0"/>
-          <p:nvPr/>
-        </p:nvPicPr>
-        <p:blipFill>
-          <a:blip r:embed="rId3">
-            <a:alphaModFix/>
-          </a:blip>
-          <a:stretch>
-            <a:fillRect/>
-          </a:stretch>
-        </p:blipFill>
-        <p:spPr>
-          <a:xfrm>
-            <a:off x="3151111" y="2666632"/>
-            <a:ext cx="6702566" cy="5434276"/>
-          </a:xfrm>
-          <a:prstGeom prst="rect">
-            <a:avLst/>
-          </a:prstGeom>
-          <a:noFill/>
-          <a:ln>
-            <a:noFill/>
-          </a:ln>
-        </p:spPr>
-      </p:pic>
       <p:sp>
         <p:nvSpPr>
-          <p:cNvPr id="82" name="Google Shape;82;p16"/>
-          <p:cNvSpPr txBox="1"/>
-          <p:nvPr/>
+          <p:cNvPr id="3" name="Text Placeholder 2">
+            <a:extLst>
+              <a:ext uri="{FF2B5EF4-FFF2-40B4-BE49-F238E27FC236}">
+                <a16:creationId xmlns:a16="http://schemas.microsoft.com/office/drawing/2014/main" id="{1059DA52-861A-5849-06EC-EFA19EC82E56}"/>
+              </a:ext>
+            </a:extLst>
+          </p:cNvPr>
+          <p:cNvSpPr>
+            <a:spLocks noGrp="1"/>
+          </p:cNvSpPr>
+          <p:nvPr>
+            <p:ph type="body" idx="1"/>
+          </p:nvPr>
         </p:nvSpPr>
-        <p:spPr>
-          <a:xfrm>
-            <a:off x="8785920" y="7936889"/>
-            <a:ext cx="4218880" cy="506880"/>
-          </a:xfrm>
-          <a:prstGeom prst="rect">
-            <a:avLst/>
-          </a:prstGeom>
-          <a:noFill/>
-          <a:ln>
-            <a:noFill/>
-          </a:ln>
-        </p:spPr>
+        <p:spPr/>
         <p:txBody>
-          <a:bodyPr spcFirstLastPara="1" wrap="square" lIns="130027" tIns="130027" rIns="130027" bIns="130027" anchor="t" anchorCtr="0">
-            <a:noAutofit/>
-          </a:bodyPr>
+          <a:bodyPr/>
           <a:lstStyle/>
           <a:p>
-            <a:pPr algn="l" defTabSz="1300460" hangingPunct="1">
-              <a:buClr>
-                <a:srgbClr val="000000"/>
-              </a:buClr>
-            </a:pPr>
-            <a:r>
-              <a:rPr lang="en" sz="1849" i="1">
-                <a:latin typeface="Arial"/>
-                <a:cs typeface="Arial"/>
-                <a:sym typeface="Arial"/>
-              </a:rPr>
-              <a:t>Source: Data 100 Spring 2020 Slides</a:t>
-            </a:r>
-            <a:endParaRPr sz="1849" i="1">
-              <a:latin typeface="Arial"/>
-              <a:cs typeface="Arial"/>
-              <a:sym typeface="Arial"/>
-            </a:endParaRPr>
+            <a:r>
+              <a:rPr lang="en-US" dirty="0"/>
+              <a:t>AI is rapidly evolving and this is brand new.  </a:t>
+            </a:r>
+          </a:p>
+          <a:p>
+            <a:r>
+              <a:rPr lang="en-US" dirty="0"/>
+              <a:t>There is not much prior experience in using AI therefore use of AI is experimental and subject to change. </a:t>
+            </a:r>
+          </a:p>
+          <a:p>
+            <a:endParaRPr lang="en-US" dirty="0"/>
+          </a:p>
+          <a:p>
+            <a:r>
+              <a:rPr lang="en-US" dirty="0"/>
+              <a:t> </a:t>
+            </a:r>
           </a:p>
         </p:txBody>
       </p:sp>
     </p:spTree>
+    <p:extLst>
+      <p:ext uri="{BB962C8B-B14F-4D97-AF65-F5344CB8AC3E}">
+        <p14:creationId xmlns:p14="http://schemas.microsoft.com/office/powerpoint/2010/main" val="508855193"/>
+      </p:ext>
+    </p:extLst>
   </p:cSld>
   <p:clrMapOvr>
     <a:masterClrMapping/>
   </p:clrMapOvr>
+  <p:transition spd="med"/>
 </p:sld>
 </file>
 
